--- a/Hotel Management System ppt.pptx
+++ b/Hotel Management System ppt.pptx
@@ -1839,15 +1839,7 @@
                 <a:schemeClr val="tx1"/>
               </a:solidFill>
             </a:rPr>
-            <a:t>Tkinter Module</a:t>
-          </a:r>
-          <a:r>
-            <a:rPr lang="en-US" sz="1600" b="1" dirty="0" smtClean="0">
-              <a:solidFill>
-                <a:schemeClr val="tx1"/>
-              </a:solidFill>
-            </a:rPr>
-            <a:t>: </a:t>
+            <a:t>Tkinter Module: </a:t>
           </a:r>
           <a:endParaRPr lang="en-US" sz="1600" dirty="0" smtClean="0">
             <a:solidFill>
@@ -2029,15 +2021,7 @@
                 <a:schemeClr val="tx1"/>
               </a:solidFill>
             </a:rPr>
-            <a:t>MySQLdb Module</a:t>
-          </a:r>
-          <a:r>
-            <a:rPr lang="en-US" sz="1600" b="1" dirty="0" smtClean="0">
-              <a:solidFill>
-                <a:schemeClr val="tx1"/>
-              </a:solidFill>
-            </a:rPr>
-            <a:t>: </a:t>
+            <a:t>MySQLdb Module: </a:t>
           </a:r>
           <a:r>
             <a:rPr lang="en-US" sz="1600" dirty="0">
@@ -2121,15 +2105,7 @@
                 <a:schemeClr val="tx1"/>
               </a:solidFill>
             </a:rPr>
-            <a:t>datetime Module</a:t>
-          </a:r>
-          <a:r>
-            <a:rPr lang="en-US" sz="1600" b="1" dirty="0" smtClean="0">
-              <a:solidFill>
-                <a:schemeClr val="tx1"/>
-              </a:solidFill>
-            </a:rPr>
-            <a:t>: </a:t>
+            <a:t>datetime Module: </a:t>
           </a:r>
           <a:r>
             <a:rPr lang="en-US" sz="1600" dirty="0">
@@ -2692,7 +2668,7 @@
                 <a14:useLocalDpi xmlns:a14="http://schemas.microsoft.com/office/drawing/2010/main"/>
               </a:ext>
               <a:ext uri="{96DAC541-7B7A-43D3-8B79-37D633B846F1}">
-                <asvg:svgBlip xmlns:asvg="http://schemas.microsoft.com/office/drawing/2016/SVG/main" xmlns="" r:embed="rId2"/>
+                <asvg:svgBlip xmlns="" xmlns:asvg="http://schemas.microsoft.com/office/drawing/2016/SVG/main" r:embed="rId2"/>
               </a:ext>
             </a:extLst>
           </a:blip>
@@ -2767,7 +2743,7 @@
                 <a14:useLocalDpi xmlns:a14="http://schemas.microsoft.com/office/drawing/2010/main"/>
               </a:ext>
               <a:ext uri="{96DAC541-7B7A-43D3-8B79-37D633B846F1}">
-                <asvg:svgBlip xmlns:asvg="http://schemas.microsoft.com/office/drawing/2016/SVG/main" xmlns="" r:embed="rId4"/>
+                <asvg:svgBlip xmlns="" xmlns:asvg="http://schemas.microsoft.com/office/drawing/2016/SVG/main" r:embed="rId4"/>
               </a:ext>
             </a:extLst>
           </a:blip>
@@ -2919,15 +2895,7 @@
                 <a:schemeClr val="tx1"/>
               </a:solidFill>
             </a:rPr>
-            <a:t>Tkinter Module</a:t>
-          </a:r>
-          <a:r>
-            <a:rPr lang="en-US" sz="1600" b="1" kern="1200" dirty="0" smtClean="0">
-              <a:solidFill>
-                <a:schemeClr val="tx1"/>
-              </a:solidFill>
-            </a:rPr>
-            <a:t>: </a:t>
+            <a:t>Tkinter Module: </a:t>
           </a:r>
           <a:endParaRPr lang="en-US" sz="1600" kern="1200" dirty="0" smtClean="0">
             <a:solidFill>
@@ -3177,15 +3145,7 @@
                 <a:schemeClr val="tx1"/>
               </a:solidFill>
             </a:rPr>
-            <a:t>MySQLdb Module</a:t>
-          </a:r>
-          <a:r>
-            <a:rPr lang="en-US" sz="1600" b="1" kern="1200" dirty="0" smtClean="0">
-              <a:solidFill>
-                <a:schemeClr val="tx1"/>
-              </a:solidFill>
-            </a:rPr>
-            <a:t>: </a:t>
+            <a:t>MySQLdb Module: </a:t>
           </a:r>
           <a:r>
             <a:rPr lang="en-US" sz="1600" kern="1200" dirty="0">
@@ -3281,15 +3241,7 @@
                 <a:schemeClr val="tx1"/>
               </a:solidFill>
             </a:rPr>
-            <a:t>datetime Module</a:t>
-          </a:r>
-          <a:r>
-            <a:rPr lang="en-US" sz="1600" b="1" kern="1200" dirty="0" smtClean="0">
-              <a:solidFill>
-                <a:schemeClr val="tx1"/>
-              </a:solidFill>
-            </a:rPr>
-            <a:t>: </a:t>
+            <a:t>datetime Module: </a:t>
           </a:r>
           <a:r>
             <a:rPr lang="en-US" sz="1600" kern="1200" dirty="0">
@@ -3584,7 +3536,7 @@
                 <a14:useLocalDpi xmlns:a14="http://schemas.microsoft.com/office/drawing/2010/main"/>
               </a:ext>
               <a:ext uri="{96DAC541-7B7A-43D3-8B79-37D633B846F1}">
-                <asvg:svgBlip xmlns:asvg="http://schemas.microsoft.com/office/drawing/2016/SVG/main" xmlns="" r:embed="rId2"/>
+                <asvg:svgBlip xmlns="" xmlns:asvg="http://schemas.microsoft.com/office/drawing/2016/SVG/main" r:embed="rId2"/>
               </a:ext>
             </a:extLst>
           </a:blip>
@@ -3735,7 +3687,7 @@
                 <a14:useLocalDpi xmlns:a14="http://schemas.microsoft.com/office/drawing/2010/main"/>
               </a:ext>
               <a:ext uri="{96DAC541-7B7A-43D3-8B79-37D633B846F1}">
-                <asvg:svgBlip xmlns:asvg="http://schemas.microsoft.com/office/drawing/2016/SVG/main" xmlns="" r:embed="rId4"/>
+                <asvg:svgBlip xmlns="" xmlns:asvg="http://schemas.microsoft.com/office/drawing/2016/SVG/main" r:embed="rId4"/>
               </a:ext>
             </a:extLst>
           </a:blip>
@@ -4260,7 +4212,7 @@
   </dgm:layoutNode>
   <dgm:extLst>
     <a:ext uri="{68A01E43-0DF5-4B5B-8FA6-DAF915123BFB}">
-      <dgm1612:lstStyle xmlns="" xmlns:dgm1612="http://schemas.microsoft.com/office/drawing/2016/12/diagram">
+      <dgm1612:lstStyle xmlns:dgm1612="http://schemas.microsoft.com/office/drawing/2016/12/diagram" xmlns="">
         <a:lvl1pPr>
           <a:lnSpc>
             <a:spcPct val="100000"/>
@@ -6575,7 +6527,7 @@
           <a:p>
             <a:fld id="{E955F854-E2CE-6F4E-A0CF-CB175674CF4C}" type="datetimeFigureOut">
               <a:rPr lang="en-US" smtClean="0"/>
-              <a:t>4/25/2021</a:t>
+              <a:t>4/26/2021</a:t>
             </a:fld>
             <a:endParaRPr lang="en-US" dirty="0"/>
           </a:p>
@@ -7058,7 +7010,7 @@
           <a:p>
             <a:fld id="{9184DA70-C731-4C70-880D-CCD4705E623C}" type="datetime1">
               <a:rPr lang="en-US" smtClean="0"/>
-              <a:t>4/25/2021</a:t>
+              <a:t>4/26/2021</a:t>
             </a:fld>
             <a:endParaRPr lang="en-US" dirty="0"/>
           </a:p>
@@ -7783,7 +7735,7 @@
           <a:p>
             <a:fld id="{39667345-2558-425A-8533-9BFDBCE15005}" type="datetime1">
               <a:rPr lang="en-US" smtClean="0"/>
-              <a:t>4/25/2021</a:t>
+              <a:t>4/26/2021</a:t>
             </a:fld>
             <a:endParaRPr lang="en-US" dirty="0"/>
           </a:p>
@@ -8352,7 +8304,7 @@
           <a:p>
             <a:fld id="{39667345-2558-425A-8533-9BFDBCE15005}" type="datetime1">
               <a:rPr lang="en-US" smtClean="0"/>
-              <a:t>4/25/2021</a:t>
+              <a:t>4/26/2021</a:t>
             </a:fld>
             <a:endParaRPr lang="en-US" dirty="0"/>
           </a:p>
@@ -9009,7 +8961,7 @@
           <a:p>
             <a:fld id="{39667345-2558-425A-8533-9BFDBCE15005}" type="datetime1">
               <a:rPr lang="en-US" smtClean="0"/>
-              <a:t>4/25/2021</a:t>
+              <a:t>4/26/2021</a:t>
             </a:fld>
             <a:endParaRPr lang="en-US" dirty="0"/>
           </a:p>
@@ -9740,7 +9692,7 @@
           <a:p>
             <a:fld id="{39667345-2558-425A-8533-9BFDBCE15005}" type="datetime1">
               <a:rPr lang="en-US" smtClean="0"/>
-              <a:t>4/25/2021</a:t>
+              <a:t>4/26/2021</a:t>
             </a:fld>
             <a:endParaRPr lang="en-US" dirty="0"/>
           </a:p>
@@ -11038,7 +10990,7 @@
           <a:p>
             <a:fld id="{4BE1D723-8F53-4F53-90B0-1982A396982E}" type="datetime1">
               <a:rPr lang="en-US" smtClean="0"/>
-              <a:t>4/25/2021</a:t>
+              <a:t>4/26/2021</a:t>
             </a:fld>
             <a:endParaRPr lang="en-US" dirty="0"/>
           </a:p>
@@ -11522,7 +11474,7 @@
           <a:p>
             <a:fld id="{4BE1D723-8F53-4F53-90B0-1982A396982E}" type="datetime1">
               <a:rPr lang="en-US" smtClean="0"/>
-              <a:t>4/25/2021</a:t>
+              <a:t>4/26/2021</a:t>
             </a:fld>
             <a:endParaRPr lang="en-US" dirty="0"/>
           </a:p>
@@ -12149,7 +12101,7 @@
           <a:p>
             <a:fld id="{4BE1D723-8F53-4F53-90B0-1982A396982E}" type="datetime1">
               <a:rPr lang="en-US" smtClean="0"/>
-              <a:t>4/25/2021</a:t>
+              <a:t>4/26/2021</a:t>
             </a:fld>
             <a:endParaRPr lang="en-US" dirty="0"/>
           </a:p>
@@ -12460,7 +12412,7 @@
           <a:p>
             <a:fld id="{4BE1D723-8F53-4F53-90B0-1982A396982E}" type="datetime1">
               <a:rPr lang="en-US" smtClean="0"/>
-              <a:t>4/25/2021</a:t>
+              <a:t>4/26/2021</a:t>
             </a:fld>
             <a:endParaRPr lang="en-US" dirty="0"/>
           </a:p>
@@ -12779,7 +12731,7 @@
           <a:p>
             <a:fld id="{4BE1D723-8F53-4F53-90B0-1982A396982E}" type="datetime1">
               <a:rPr lang="en-US" smtClean="0"/>
-              <a:t>4/25/2021</a:t>
+              <a:t>4/26/2021</a:t>
             </a:fld>
             <a:endParaRPr lang="en-US" dirty="0"/>
           </a:p>
@@ -13222,7 +13174,7 @@
           <a:p>
             <a:fld id="{4BE1D723-8F53-4F53-90B0-1982A396982E}" type="datetime1">
               <a:rPr lang="en-US" smtClean="0"/>
-              <a:t>4/25/2021</a:t>
+              <a:t>4/26/2021</a:t>
             </a:fld>
             <a:endParaRPr lang="en-US" dirty="0"/>
           </a:p>
@@ -13848,7 +13800,7 @@
           <a:p>
             <a:fld id="{D9DF0F1C-5577-4ACB-BB62-DF8F3C494C7E}" type="datetime1">
               <a:rPr lang="en-US" smtClean="0"/>
-              <a:t>4/25/2021</a:t>
+              <a:t>4/26/2021</a:t>
             </a:fld>
             <a:endParaRPr lang="en-US" dirty="0"/>
           </a:p>
@@ -14314,7 +14266,7 @@
           <a:p>
             <a:fld id="{39667345-2558-425A-8533-9BFDBCE15005}" type="datetime1">
               <a:rPr lang="en-US" smtClean="0"/>
-              <a:t>4/25/2021</a:t>
+              <a:t>4/26/2021</a:t>
             </a:fld>
             <a:endParaRPr lang="en-US" dirty="0"/>
           </a:p>
@@ -14990,7 +14942,7 @@
           <a:p>
             <a:fld id="{62D6E202-B606-4609-B914-27C9371A1F6D}" type="datetime1">
               <a:rPr lang="en-US" smtClean="0"/>
-              <a:t>4/25/2021</a:t>
+              <a:t>4/26/2021</a:t>
             </a:fld>
             <a:endParaRPr lang="en-US" dirty="0"/>
           </a:p>
@@ -15829,7 +15781,7 @@
         </p:spPr>
         <p:txBody>
           <a:bodyPr>
-            <a:normAutofit fontScale="77500" lnSpcReduction="20000"/>
+            <a:normAutofit fontScale="70000" lnSpcReduction="20000"/>
           </a:bodyPr>
           <a:lstStyle>
             <a:lvl1pPr marL="91440" indent="-91440" algn="l" defTabSz="914400" rtl="0" eaLnBrk="1" latinLnBrk="0" hangingPunct="1">
@@ -16075,12 +16027,20 @@
               <a:buChar char="§"/>
             </a:pPr>
             <a:r>
-              <a:rPr lang="en-US" sz="3100" smtClean="0">
+              <a:rPr lang="en-US" sz="3100" dirty="0" smtClean="0">
                 <a:solidFill>
                   <a:schemeClr val="bg1"/>
                 </a:solidFill>
               </a:rPr>
-              <a:t>User can book a room given the room is available or is not under renovation.</a:t>
+              <a:t>User can book a room given the room is available or is not under renovation</a:t>
+            </a:r>
+            <a:r>
+              <a:rPr lang="en-US" sz="3100" dirty="0" smtClean="0">
+                <a:solidFill>
+                  <a:schemeClr val="bg1"/>
+                </a:solidFill>
+              </a:rPr>
+              <a:t>.</a:t>
             </a:r>
           </a:p>
           <a:p>
@@ -16089,13 +16049,18 @@
               <a:buChar char="§"/>
             </a:pPr>
             <a:r>
-              <a:rPr lang="en-US" sz="3100" smtClean="0">
+              <a:rPr lang="en-US" sz="3100" dirty="0" smtClean="0">
                 <a:solidFill>
                   <a:schemeClr val="bg1"/>
                 </a:solidFill>
               </a:rPr>
-              <a:t>User can filter out rooms as per his/her requirements i.e Room Type,availability of AC.,etc.</a:t>
+              <a:t>Unbook/Unreserve a room</a:t>
             </a:r>
+            <a:endParaRPr lang="en-US" sz="3100" dirty="0" smtClean="0">
+              <a:solidFill>
+                <a:schemeClr val="bg1"/>
+              </a:solidFill>
+            </a:endParaRPr>
           </a:p>
           <a:p>
             <a:pPr>
@@ -16103,7 +16068,53 @@
               <a:buChar char="§"/>
             </a:pPr>
             <a:r>
-              <a:rPr lang="en-US" sz="3100" smtClean="0">
+              <a:rPr lang="en-US" sz="3100" dirty="0" smtClean="0">
+                <a:solidFill>
+                  <a:schemeClr val="bg1"/>
+                </a:solidFill>
+              </a:rPr>
+              <a:t>User can filter out rooms as per his/her requirements i.e Room Type</a:t>
+            </a:r>
+            <a:r>
+              <a:rPr lang="en-US" sz="3100" dirty="0" smtClean="0">
+                <a:solidFill>
+                  <a:schemeClr val="bg1"/>
+                </a:solidFill>
+              </a:rPr>
+              <a:t>, availability </a:t>
+            </a:r>
+            <a:r>
+              <a:rPr lang="en-US" sz="3100" dirty="0" smtClean="0">
+                <a:solidFill>
+                  <a:schemeClr val="bg1"/>
+                </a:solidFill>
+              </a:rPr>
+              <a:t>of </a:t>
+            </a:r>
+            <a:r>
+              <a:rPr lang="en-US" sz="3100" dirty="0" smtClean="0">
+                <a:solidFill>
+                  <a:schemeClr val="bg1"/>
+                </a:solidFill>
+              </a:rPr>
+              <a:t>AC. etc</a:t>
+            </a:r>
+            <a:r>
+              <a:rPr lang="en-US" sz="3100" dirty="0" smtClean="0">
+                <a:solidFill>
+                  <a:schemeClr val="bg1"/>
+                </a:solidFill>
+              </a:rPr>
+              <a:t>.</a:t>
+            </a:r>
+          </a:p>
+          <a:p>
+            <a:pPr>
+              <a:buFont typeface="Wingdings" panose="05000000000000000000" pitchFamily="2" charset="2"/>
+              <a:buChar char="§"/>
+            </a:pPr>
+            <a:r>
+              <a:rPr lang="en-US" sz="3100" dirty="0" smtClean="0">
                 <a:solidFill>
                   <a:schemeClr val="bg1"/>
                 </a:solidFill>
@@ -16117,7 +16128,7 @@
               <a:buChar char="§"/>
             </a:pPr>
             <a:r>
-              <a:rPr lang="en-US" sz="3100" smtClean="0">
+              <a:rPr lang="en-US" sz="3100" dirty="0" smtClean="0">
                 <a:solidFill>
                   <a:schemeClr val="bg1"/>
                 </a:solidFill>
@@ -16131,7 +16142,7 @@
               <a:buChar char="§"/>
             </a:pPr>
             <a:r>
-              <a:rPr lang="en-US" sz="3100" smtClean="0">
+              <a:rPr lang="en-US" sz="3100" dirty="0" smtClean="0">
                 <a:solidFill>
                   <a:schemeClr val="bg1"/>
                 </a:solidFill>
@@ -16145,7 +16156,7 @@
               <a:buChar char="§"/>
             </a:pPr>
             <a:r>
-              <a:rPr lang="en-US" sz="3100" smtClean="0">
+              <a:rPr lang="en-US" sz="3100" dirty="0" smtClean="0">
                 <a:solidFill>
                   <a:schemeClr val="bg1"/>
                 </a:solidFill>
@@ -16158,7 +16169,7 @@
               <a:buFont typeface="Calibri" panose="020F0502020204030204" pitchFamily="34" charset="0"/>
               <a:buNone/>
             </a:pPr>
-            <a:endParaRPr lang="en-US" smtClean="0">
+            <a:endParaRPr lang="en-US" dirty="0" smtClean="0">
               <a:solidFill>
                 <a:schemeClr val="bg1"/>
               </a:solidFill>
@@ -16169,7 +16180,7 @@
               <a:buFont typeface="Wingdings" panose="05000000000000000000" pitchFamily="2" charset="2"/>
               <a:buChar char="§"/>
             </a:pPr>
-            <a:endParaRPr lang="en-US" smtClean="0">
+            <a:endParaRPr lang="en-US" dirty="0" smtClean="0">
               <a:solidFill>
                 <a:schemeClr val="bg1"/>
               </a:solidFill>
@@ -16180,7 +16191,7 @@
               <a:buFont typeface="Wingdings" panose="05000000000000000000" pitchFamily="2" charset="2"/>
               <a:buChar char="§"/>
             </a:pPr>
-            <a:endParaRPr lang="en-US" smtClean="0">
+            <a:endParaRPr lang="en-US" dirty="0" smtClean="0">
               <a:solidFill>
                 <a:schemeClr val="bg1"/>
               </a:solidFill>
@@ -18352,15 +18363,6 @@
 </file>
 
 <file path=customXml/item2.xml><?xml version="1.0" encoding="utf-8"?>
-<?mso-contentType ?>
-<FormTemplates xmlns="http://schemas.microsoft.com/sharepoint/v3/contenttype/forms">
-  <Display>DocumentLibraryForm</Display>
-  <Edit>DocumentLibraryForm</Edit>
-  <New>DocumentLibraryForm</New>
-</FormTemplates>
-</file>
-
-<file path=customXml/item3.xml><?xml version="1.0" encoding="utf-8"?>
 <ct:contentTypeSchema xmlns:ct="http://schemas.microsoft.com/office/2006/metadata/contentType" xmlns:ma="http://schemas.microsoft.com/office/2006/metadata/properties/metaAttributes" ct:_="" ma:_="" ma:contentTypeName="Document" ma:contentTypeID="0x01010079F111ED35F8CC479449609E8A0923A6" ma:contentTypeVersion="12" ma:contentTypeDescription="Create a new document." ma:contentTypeScope="" ma:versionID="fa6e671f1cd7e4d96ff9652be322dd5e">
   <xsd:schema xmlns:xsd="http://www.w3.org/2001/XMLSchema" xmlns:xs="http://www.w3.org/2001/XMLSchema" xmlns:p="http://schemas.microsoft.com/office/2006/metadata/properties" xmlns:ns2="71af3243-3dd4-4a8d-8c0d-dd76da1f02a5" xmlns:ns3="16c05727-aa75-4e4a-9b5f-8a80a1165891" targetNamespace="http://schemas.microsoft.com/office/2006/metadata/properties" ma:root="true" ma:fieldsID="4e2496f70b101db0b8013f30a071bbf7" ns2:_="" ns3:_="">
     <xsd:import namespace="71af3243-3dd4-4a8d-8c0d-dd76da1f02a5"/>
@@ -18581,6 +18583,15 @@
 </ct:contentTypeSchema>
 </file>
 
+<file path=customXml/item3.xml><?xml version="1.0" encoding="utf-8"?>
+<?mso-contentType ?>
+<FormTemplates xmlns="http://schemas.microsoft.com/sharepoint/v3/contenttype/forms">
+  <Display>DocumentLibraryForm</Display>
+  <Edit>DocumentLibraryForm</Edit>
+  <New>DocumentLibraryForm</New>
+</FormTemplates>
+</file>
+
 <file path=customXml/itemProps1.xml><?xml version="1.0" encoding="utf-8"?>
 <ds:datastoreItem xmlns:ds="http://schemas.openxmlformats.org/officeDocument/2006/customXml" ds:itemID="{C1B6A1C8-8283-4EE8-96CE-BB44EE9D7AD3}">
   <ds:schemaRefs>
@@ -18599,14 +18610,6 @@
 </file>
 
 <file path=customXml/itemProps2.xml><?xml version="1.0" encoding="utf-8"?>
-<ds:datastoreItem xmlns:ds="http://schemas.openxmlformats.org/officeDocument/2006/customXml" ds:itemID="{9FEC6E52-ACE5-4D4A-8910-845222469474}">
-  <ds:schemaRefs>
-    <ds:schemaRef ds:uri="http://schemas.microsoft.com/sharepoint/v3/contenttype/forms"/>
-  </ds:schemaRefs>
-</ds:datastoreItem>
-</file>
-
-<file path=customXml/itemProps3.xml><?xml version="1.0" encoding="utf-8"?>
 <ds:datastoreItem xmlns:ds="http://schemas.openxmlformats.org/officeDocument/2006/customXml" ds:itemID="{8459AF2B-2F0F-4340-8358-B3F991FAB5A4}">
   <ds:schemaRefs>
     <ds:schemaRef ds:uri="http://schemas.microsoft.com/office/2006/metadata/contentType"/>
@@ -18623,4 +18626,12 @@
     <ds:schemaRef ds:uri="http://schemas.microsoft.com/internal/obd"/>
   </ds:schemaRefs>
 </ds:datastoreItem>
+</file>
+
+<file path=customXml/itemProps3.xml><?xml version="1.0" encoding="utf-8"?>
+<ds:datastoreItem xmlns:ds="http://schemas.openxmlformats.org/officeDocument/2006/customXml" ds:itemID="{9FEC6E52-ACE5-4D4A-8910-845222469474}">
+  <ds:schemaRefs>
+    <ds:schemaRef ds:uri="http://schemas.microsoft.com/sharepoint/v3/contenttype/forms"/>
+  </ds:schemaRefs>
+</ds:datastoreItem>
 </file>
--- a/Hotel Management System ppt.pptx
+++ b/Hotel Management System ppt.pptx
@@ -3449,7 +3449,7 @@
           <p:cNvPr id="2" name="Header Placeholder 1">
             <a:extLst>
               <a:ext uri="{FF2B5EF4-FFF2-40B4-BE49-F238E27FC236}">
-                <a16:creationId xmlns:a16="http://schemas.microsoft.com/office/drawing/2014/main" xmlns="" id="{6E8FA38E-9F41-1A45-879F-0B93BA5093CC}"/>
+                <a16:creationId xmlns:a16="http://schemas.microsoft.com/office/drawing/2014/main" id="{6E8FA38E-9F41-1A45-879F-0B93BA5093CC}"/>
               </a:ext>
             </a:extLst>
           </p:cNvPr>
@@ -3486,7 +3486,7 @@
           <p:cNvPr id="4" name="Footer Placeholder 3">
             <a:extLst>
               <a:ext uri="{FF2B5EF4-FFF2-40B4-BE49-F238E27FC236}">
-                <a16:creationId xmlns:a16="http://schemas.microsoft.com/office/drawing/2014/main" xmlns="" id="{6F016A96-BC72-0640-9AEE-870574F3880D}"/>
+                <a16:creationId xmlns:a16="http://schemas.microsoft.com/office/drawing/2014/main" id="{6F016A96-BC72-0640-9AEE-870574F3880D}"/>
               </a:ext>
             </a:extLst>
           </p:cNvPr>
@@ -3523,7 +3523,7 @@
           <p:cNvPr id="5" name="Slide Number Placeholder 4">
             <a:extLst>
               <a:ext uri="{FF2B5EF4-FFF2-40B4-BE49-F238E27FC236}">
-                <a16:creationId xmlns:a16="http://schemas.microsoft.com/office/drawing/2014/main" xmlns="" id="{9B0B091C-A27C-3C4B-82F1-DDBD9A028293}"/>
+                <a16:creationId xmlns:a16="http://schemas.microsoft.com/office/drawing/2014/main" id="{9B0B091C-A27C-3C4B-82F1-DDBD9A028293}"/>
               </a:ext>
             </a:extLst>
           </p:cNvPr>
@@ -3652,7 +3652,7 @@
           <a:p>
             <a:fld id="{E955F854-E2CE-6F4E-A0CF-CB175674CF4C}" type="datetimeFigureOut">
               <a:rPr lang="en-US" smtClean="0"/>
-              <a:t>4/26/2021</a:t>
+              <a:t>4/28/2021</a:t>
             </a:fld>
             <a:endParaRPr lang="en-US" dirty="0"/>
           </a:p>
@@ -4117,7 +4117,7 @@
           <p:cNvPr id="4" name="Date Placeholder 3">
             <a:extLst>
               <a:ext uri="{FF2B5EF4-FFF2-40B4-BE49-F238E27FC236}">
-                <a16:creationId xmlns:a16="http://schemas.microsoft.com/office/drawing/2014/main" xmlns="" id="{9925CCF1-92C0-4AF3-BFAF-4921631915AB}"/>
+                <a16:creationId xmlns:a16="http://schemas.microsoft.com/office/drawing/2014/main" id="{9925CCF1-92C0-4AF3-BFAF-4921631915AB}"/>
               </a:ext>
             </a:extLst>
           </p:cNvPr>
@@ -4135,7 +4135,7 @@
           <a:p>
             <a:fld id="{9184DA70-C731-4C70-880D-CCD4705E623C}" type="datetime1">
               <a:rPr lang="en-US" smtClean="0"/>
-              <a:t>4/26/2021</a:t>
+              <a:t>4/28/2021</a:t>
             </a:fld>
             <a:endParaRPr lang="en-US" dirty="0"/>
           </a:p>
@@ -4146,7 +4146,7 @@
           <p:cNvPr id="5" name="Footer Placeholder 4">
             <a:extLst>
               <a:ext uri="{FF2B5EF4-FFF2-40B4-BE49-F238E27FC236}">
-                <a16:creationId xmlns:a16="http://schemas.microsoft.com/office/drawing/2014/main" xmlns="" id="{051A78A9-3DFF-4937-A9F2-5D8CF495F367}"/>
+                <a16:creationId xmlns:a16="http://schemas.microsoft.com/office/drawing/2014/main" id="{051A78A9-3DFF-4937-A9F2-5D8CF495F367}"/>
               </a:ext>
             </a:extLst>
           </p:cNvPr>
@@ -4171,7 +4171,7 @@
           <p:cNvPr id="6" name="Slide Number Placeholder 5">
             <a:extLst>
               <a:ext uri="{FF2B5EF4-FFF2-40B4-BE49-F238E27FC236}">
-                <a16:creationId xmlns:a16="http://schemas.microsoft.com/office/drawing/2014/main" xmlns="" id="{5FAEB271-5CC0-4759-BC6E-8BE53AB227C0}"/>
+                <a16:creationId xmlns:a16="http://schemas.microsoft.com/office/drawing/2014/main" id="{5FAEB271-5CC0-4759-BC6E-8BE53AB227C0}"/>
               </a:ext>
             </a:extLst>
           </p:cNvPr>
@@ -4312,7 +4312,7 @@
           <p:cNvPr id="12" name="Picture Placeholder 11">
             <a:extLst>
               <a:ext uri="{FF2B5EF4-FFF2-40B4-BE49-F238E27FC236}">
-                <a16:creationId xmlns:a16="http://schemas.microsoft.com/office/drawing/2014/main" xmlns="" id="{C28A7DB8-FEA5-5A4A-85DF-FA1ADFB3EFC5}"/>
+                <a16:creationId xmlns:a16="http://schemas.microsoft.com/office/drawing/2014/main" id="{C28A7DB8-FEA5-5A4A-85DF-FA1ADFB3EFC5}"/>
               </a:ext>
             </a:extLst>
           </p:cNvPr>
@@ -4537,7 +4537,7 @@
           <p:cNvPr id="14" name="Triangle 13">
             <a:extLst>
               <a:ext uri="{FF2B5EF4-FFF2-40B4-BE49-F238E27FC236}">
-                <a16:creationId xmlns:a16="http://schemas.microsoft.com/office/drawing/2014/main" xmlns="" id="{6A021AF7-4044-A644-8DB8-495F263390D0}"/>
+                <a16:creationId xmlns:a16="http://schemas.microsoft.com/office/drawing/2014/main" id="{6A021AF7-4044-A644-8DB8-495F263390D0}"/>
               </a:ext>
             </a:extLst>
           </p:cNvPr>
@@ -4589,7 +4589,7 @@
           <p:cNvPr id="15" name="Triangle 14">
             <a:extLst>
               <a:ext uri="{FF2B5EF4-FFF2-40B4-BE49-F238E27FC236}">
-                <a16:creationId xmlns:a16="http://schemas.microsoft.com/office/drawing/2014/main" xmlns="" id="{D2DFDB14-A8D5-F944-A91C-960A5C2F22AF}"/>
+                <a16:creationId xmlns:a16="http://schemas.microsoft.com/office/drawing/2014/main" id="{D2DFDB14-A8D5-F944-A91C-960A5C2F22AF}"/>
               </a:ext>
             </a:extLst>
           </p:cNvPr>
@@ -4646,7 +4646,7 @@
           <p:cNvPr id="16" name="Triangle 15">
             <a:extLst>
               <a:ext uri="{FF2B5EF4-FFF2-40B4-BE49-F238E27FC236}">
-                <a16:creationId xmlns:a16="http://schemas.microsoft.com/office/drawing/2014/main" xmlns="" id="{B7735FBC-8FBF-9947-B380-14D44D2206B1}"/>
+                <a16:creationId xmlns:a16="http://schemas.microsoft.com/office/drawing/2014/main" id="{B7735FBC-8FBF-9947-B380-14D44D2206B1}"/>
               </a:ext>
             </a:extLst>
           </p:cNvPr>
@@ -4703,7 +4703,7 @@
           <p:cNvPr id="17" name="Triangle 16">
             <a:extLst>
               <a:ext uri="{FF2B5EF4-FFF2-40B4-BE49-F238E27FC236}">
-                <a16:creationId xmlns:a16="http://schemas.microsoft.com/office/drawing/2014/main" xmlns="" id="{17B7C303-8734-B141-AF0D-2945DA349FBD}"/>
+                <a16:creationId xmlns:a16="http://schemas.microsoft.com/office/drawing/2014/main" id="{17B7C303-8734-B141-AF0D-2945DA349FBD}"/>
               </a:ext>
             </a:extLst>
           </p:cNvPr>
@@ -4760,7 +4760,7 @@
           <p:cNvPr id="18" name="Triangle 17">
             <a:extLst>
               <a:ext uri="{FF2B5EF4-FFF2-40B4-BE49-F238E27FC236}">
-                <a16:creationId xmlns:a16="http://schemas.microsoft.com/office/drawing/2014/main" xmlns="" id="{67914AE0-93F2-8346-B885-5734D2B694B2}"/>
+                <a16:creationId xmlns:a16="http://schemas.microsoft.com/office/drawing/2014/main" id="{67914AE0-93F2-8346-B885-5734D2B694B2}"/>
               </a:ext>
             </a:extLst>
           </p:cNvPr>
@@ -4842,7 +4842,7 @@
           <p:cNvPr id="2" name="Date Placeholder 1">
             <a:extLst>
               <a:ext uri="{FF2B5EF4-FFF2-40B4-BE49-F238E27FC236}">
-                <a16:creationId xmlns:a16="http://schemas.microsoft.com/office/drawing/2014/main" xmlns="" id="{94E9223F-721F-47BF-9FD5-0F8D12FF0DE1}"/>
+                <a16:creationId xmlns:a16="http://schemas.microsoft.com/office/drawing/2014/main" id="{94E9223F-721F-47BF-9FD5-0F8D12FF0DE1}"/>
               </a:ext>
             </a:extLst>
           </p:cNvPr>
@@ -4860,7 +4860,7 @@
           <a:p>
             <a:fld id="{39667345-2558-425A-8533-9BFDBCE15005}" type="datetime1">
               <a:rPr lang="en-US" smtClean="0"/>
-              <a:t>4/26/2021</a:t>
+              <a:t>4/28/2021</a:t>
             </a:fld>
             <a:endParaRPr lang="en-US" dirty="0"/>
           </a:p>
@@ -4871,7 +4871,7 @@
           <p:cNvPr id="3" name="Footer Placeholder 2">
             <a:extLst>
               <a:ext uri="{FF2B5EF4-FFF2-40B4-BE49-F238E27FC236}">
-                <a16:creationId xmlns:a16="http://schemas.microsoft.com/office/drawing/2014/main" xmlns="" id="{05915714-6BBA-4593-8591-4E26F7D58D9F}"/>
+                <a16:creationId xmlns:a16="http://schemas.microsoft.com/office/drawing/2014/main" id="{05915714-6BBA-4593-8591-4E26F7D58D9F}"/>
               </a:ext>
             </a:extLst>
           </p:cNvPr>
@@ -4896,7 +4896,7 @@
           <p:cNvPr id="4" name="Slide Number Placeholder 3">
             <a:extLst>
               <a:ext uri="{FF2B5EF4-FFF2-40B4-BE49-F238E27FC236}">
-                <a16:creationId xmlns:a16="http://schemas.microsoft.com/office/drawing/2014/main" xmlns="" id="{BE06F857-D2E1-44DD-ABDD-EBB739645B67}"/>
+                <a16:creationId xmlns:a16="http://schemas.microsoft.com/office/drawing/2014/main" id="{BE06F857-D2E1-44DD-ABDD-EBB739645B67}"/>
               </a:ext>
             </a:extLst>
           </p:cNvPr>
@@ -4925,7 +4925,7 @@
           <p:cNvPr id="5" name="Rectangle 4">
             <a:extLst>
               <a:ext uri="{FF2B5EF4-FFF2-40B4-BE49-F238E27FC236}">
-                <a16:creationId xmlns:a16="http://schemas.microsoft.com/office/drawing/2014/main" xmlns="" id="{E872A5F6-5449-2840-B48F-2AA85FE272A3}"/>
+                <a16:creationId xmlns:a16="http://schemas.microsoft.com/office/drawing/2014/main" id="{E872A5F6-5449-2840-B48F-2AA85FE272A3}"/>
               </a:ext>
             </a:extLst>
           </p:cNvPr>
@@ -4977,7 +4977,7 @@
           <p:cNvPr id="6" name="Triangle 5">
             <a:extLst>
               <a:ext uri="{FF2B5EF4-FFF2-40B4-BE49-F238E27FC236}">
-                <a16:creationId xmlns:a16="http://schemas.microsoft.com/office/drawing/2014/main" xmlns="" id="{2B3A8339-6DA4-E549-AEA2-9512C53F064F}"/>
+                <a16:creationId xmlns:a16="http://schemas.microsoft.com/office/drawing/2014/main" id="{2B3A8339-6DA4-E549-AEA2-9512C53F064F}"/>
               </a:ext>
             </a:extLst>
           </p:cNvPr>
@@ -5034,7 +5034,7 @@
           <p:cNvPr id="7" name="Triangle 6">
             <a:extLst>
               <a:ext uri="{FF2B5EF4-FFF2-40B4-BE49-F238E27FC236}">
-                <a16:creationId xmlns:a16="http://schemas.microsoft.com/office/drawing/2014/main" xmlns="" id="{752EA775-82B0-BA48-8CA2-7A09D72EC958}"/>
+                <a16:creationId xmlns:a16="http://schemas.microsoft.com/office/drawing/2014/main" id="{752EA775-82B0-BA48-8CA2-7A09D72EC958}"/>
               </a:ext>
             </a:extLst>
           </p:cNvPr>
@@ -5091,7 +5091,7 @@
           <p:cNvPr id="8" name="Triangle 7">
             <a:extLst>
               <a:ext uri="{FF2B5EF4-FFF2-40B4-BE49-F238E27FC236}">
-                <a16:creationId xmlns:a16="http://schemas.microsoft.com/office/drawing/2014/main" xmlns="" id="{2C6B50B5-10C1-4A40-9531-4F8DC16892F8}"/>
+                <a16:creationId xmlns:a16="http://schemas.microsoft.com/office/drawing/2014/main" id="{2C6B50B5-10C1-4A40-9531-4F8DC16892F8}"/>
               </a:ext>
             </a:extLst>
           </p:cNvPr>
@@ -5143,7 +5143,7 @@
           <p:cNvPr id="26" name="Picture Placeholder 25">
             <a:extLst>
               <a:ext uri="{FF2B5EF4-FFF2-40B4-BE49-F238E27FC236}">
-                <a16:creationId xmlns:a16="http://schemas.microsoft.com/office/drawing/2014/main" xmlns="" id="{CAF18EC0-3F9F-6449-A2B2-A792B70BEA6E}"/>
+                <a16:creationId xmlns:a16="http://schemas.microsoft.com/office/drawing/2014/main" id="{CAF18EC0-3F9F-6449-A2B2-A792B70BEA6E}"/>
               </a:ext>
             </a:extLst>
           </p:cNvPr>
@@ -5220,7 +5220,7 @@
           <p:cNvPr id="28" name="Title 1">
             <a:extLst>
               <a:ext uri="{FF2B5EF4-FFF2-40B4-BE49-F238E27FC236}">
-                <a16:creationId xmlns:a16="http://schemas.microsoft.com/office/drawing/2014/main" xmlns="" id="{68357860-E91C-1745-A5D1-921689BF47AE}"/>
+                <a16:creationId xmlns:a16="http://schemas.microsoft.com/office/drawing/2014/main" id="{68357860-E91C-1745-A5D1-921689BF47AE}"/>
               </a:ext>
             </a:extLst>
           </p:cNvPr>
@@ -5267,7 +5267,7 @@
           <p:cNvPr id="29" name="Content Placeholder 2">
             <a:extLst>
               <a:ext uri="{FF2B5EF4-FFF2-40B4-BE49-F238E27FC236}">
-                <a16:creationId xmlns:a16="http://schemas.microsoft.com/office/drawing/2014/main" xmlns="" id="{094A3FA1-7F3F-2D41-ABE1-512FA9FC4843}"/>
+                <a16:creationId xmlns:a16="http://schemas.microsoft.com/office/drawing/2014/main" id="{094A3FA1-7F3F-2D41-ABE1-512FA9FC4843}"/>
               </a:ext>
             </a:extLst>
           </p:cNvPr>
@@ -5411,7 +5411,7 @@
           <p:cNvPr id="2" name="Date Placeholder 1">
             <a:extLst>
               <a:ext uri="{FF2B5EF4-FFF2-40B4-BE49-F238E27FC236}">
-                <a16:creationId xmlns:a16="http://schemas.microsoft.com/office/drawing/2014/main" xmlns="" id="{94E9223F-721F-47BF-9FD5-0F8D12FF0DE1}"/>
+                <a16:creationId xmlns:a16="http://schemas.microsoft.com/office/drawing/2014/main" id="{94E9223F-721F-47BF-9FD5-0F8D12FF0DE1}"/>
               </a:ext>
             </a:extLst>
           </p:cNvPr>
@@ -5429,7 +5429,7 @@
           <a:p>
             <a:fld id="{39667345-2558-425A-8533-9BFDBCE15005}" type="datetime1">
               <a:rPr lang="en-US" smtClean="0"/>
-              <a:t>4/26/2021</a:t>
+              <a:t>4/28/2021</a:t>
             </a:fld>
             <a:endParaRPr lang="en-US" dirty="0"/>
           </a:p>
@@ -5440,7 +5440,7 @@
           <p:cNvPr id="3" name="Footer Placeholder 2">
             <a:extLst>
               <a:ext uri="{FF2B5EF4-FFF2-40B4-BE49-F238E27FC236}">
-                <a16:creationId xmlns:a16="http://schemas.microsoft.com/office/drawing/2014/main" xmlns="" id="{05915714-6BBA-4593-8591-4E26F7D58D9F}"/>
+                <a16:creationId xmlns:a16="http://schemas.microsoft.com/office/drawing/2014/main" id="{05915714-6BBA-4593-8591-4E26F7D58D9F}"/>
               </a:ext>
             </a:extLst>
           </p:cNvPr>
@@ -5465,7 +5465,7 @@
           <p:cNvPr id="4" name="Slide Number Placeholder 3">
             <a:extLst>
               <a:ext uri="{FF2B5EF4-FFF2-40B4-BE49-F238E27FC236}">
-                <a16:creationId xmlns:a16="http://schemas.microsoft.com/office/drawing/2014/main" xmlns="" id="{BE06F857-D2E1-44DD-ABDD-EBB739645B67}"/>
+                <a16:creationId xmlns:a16="http://schemas.microsoft.com/office/drawing/2014/main" id="{BE06F857-D2E1-44DD-ABDD-EBB739645B67}"/>
               </a:ext>
             </a:extLst>
           </p:cNvPr>
@@ -5494,7 +5494,7 @@
           <p:cNvPr id="5" name="Rectangle 3">
             <a:extLst>
               <a:ext uri="{FF2B5EF4-FFF2-40B4-BE49-F238E27FC236}">
-                <a16:creationId xmlns:a16="http://schemas.microsoft.com/office/drawing/2014/main" xmlns="" id="{B4D4881A-F72E-2D4F-BC41-5D2839D87000}"/>
+                <a16:creationId xmlns:a16="http://schemas.microsoft.com/office/drawing/2014/main" id="{B4D4881A-F72E-2D4F-BC41-5D2839D87000}"/>
               </a:ext>
             </a:extLst>
           </p:cNvPr>
@@ -5627,7 +5627,7 @@
           <p:cNvPr id="6" name="Triangle 5">
             <a:extLst>
               <a:ext uri="{FF2B5EF4-FFF2-40B4-BE49-F238E27FC236}">
-                <a16:creationId xmlns:a16="http://schemas.microsoft.com/office/drawing/2014/main" xmlns="" id="{214CA4B6-21BC-234A-9FAD-E362D7F194C4}"/>
+                <a16:creationId xmlns:a16="http://schemas.microsoft.com/office/drawing/2014/main" id="{214CA4B6-21BC-234A-9FAD-E362D7F194C4}"/>
               </a:ext>
             </a:extLst>
           </p:cNvPr>
@@ -5679,7 +5679,7 @@
           <p:cNvPr id="7" name="Triangle 6">
             <a:extLst>
               <a:ext uri="{FF2B5EF4-FFF2-40B4-BE49-F238E27FC236}">
-                <a16:creationId xmlns:a16="http://schemas.microsoft.com/office/drawing/2014/main" xmlns="" id="{815F04B4-E3C0-0845-8DEC-98C63E21B466}"/>
+                <a16:creationId xmlns:a16="http://schemas.microsoft.com/office/drawing/2014/main" id="{815F04B4-E3C0-0845-8DEC-98C63E21B466}"/>
               </a:ext>
             </a:extLst>
           </p:cNvPr>
@@ -5736,7 +5736,7 @@
           <p:cNvPr id="8" name="Picture Placeholder 7">
             <a:extLst>
               <a:ext uri="{FF2B5EF4-FFF2-40B4-BE49-F238E27FC236}">
-                <a16:creationId xmlns:a16="http://schemas.microsoft.com/office/drawing/2014/main" xmlns="" id="{6850A90A-EBB3-314C-9D98-A4220E2739EA}"/>
+                <a16:creationId xmlns:a16="http://schemas.microsoft.com/office/drawing/2014/main" id="{6850A90A-EBB3-314C-9D98-A4220E2739EA}"/>
               </a:ext>
             </a:extLst>
           </p:cNvPr>
@@ -5813,7 +5813,7 @@
           <p:cNvPr id="9" name="Title 1">
             <a:extLst>
               <a:ext uri="{FF2B5EF4-FFF2-40B4-BE49-F238E27FC236}">
-                <a16:creationId xmlns:a16="http://schemas.microsoft.com/office/drawing/2014/main" xmlns="" id="{D3001923-8460-C64B-A54B-3221B8A6B8C3}"/>
+                <a16:creationId xmlns:a16="http://schemas.microsoft.com/office/drawing/2014/main" id="{D3001923-8460-C64B-A54B-3221B8A6B8C3}"/>
               </a:ext>
             </a:extLst>
           </p:cNvPr>
@@ -5857,7 +5857,7 @@
           <p:cNvPr id="10" name="Content Placeholder 2">
             <a:extLst>
               <a:ext uri="{FF2B5EF4-FFF2-40B4-BE49-F238E27FC236}">
-                <a16:creationId xmlns:a16="http://schemas.microsoft.com/office/drawing/2014/main" xmlns="" id="{9E64A275-2629-244A-A66F-FC140850C6DA}"/>
+                <a16:creationId xmlns:a16="http://schemas.microsoft.com/office/drawing/2014/main" id="{9E64A275-2629-244A-A66F-FC140850C6DA}"/>
               </a:ext>
             </a:extLst>
           </p:cNvPr>
@@ -5986,7 +5986,7 @@
           <p:cNvPr id="12" name="Triangle 11">
             <a:extLst>
               <a:ext uri="{FF2B5EF4-FFF2-40B4-BE49-F238E27FC236}">
-                <a16:creationId xmlns:a16="http://schemas.microsoft.com/office/drawing/2014/main" xmlns="" id="{520102B5-5695-C743-B30E-C92897B48D89}"/>
+                <a16:creationId xmlns:a16="http://schemas.microsoft.com/office/drawing/2014/main" id="{520102B5-5695-C743-B30E-C92897B48D89}"/>
               </a:ext>
             </a:extLst>
           </p:cNvPr>
@@ -6068,7 +6068,7 @@
           <p:cNvPr id="2" name="Date Placeholder 1">
             <a:extLst>
               <a:ext uri="{FF2B5EF4-FFF2-40B4-BE49-F238E27FC236}">
-                <a16:creationId xmlns:a16="http://schemas.microsoft.com/office/drawing/2014/main" xmlns="" id="{94E9223F-721F-47BF-9FD5-0F8D12FF0DE1}"/>
+                <a16:creationId xmlns:a16="http://schemas.microsoft.com/office/drawing/2014/main" id="{94E9223F-721F-47BF-9FD5-0F8D12FF0DE1}"/>
               </a:ext>
             </a:extLst>
           </p:cNvPr>
@@ -6086,7 +6086,7 @@
           <a:p>
             <a:fld id="{39667345-2558-425A-8533-9BFDBCE15005}" type="datetime1">
               <a:rPr lang="en-US" smtClean="0"/>
-              <a:t>4/26/2021</a:t>
+              <a:t>4/28/2021</a:t>
             </a:fld>
             <a:endParaRPr lang="en-US" dirty="0"/>
           </a:p>
@@ -6097,7 +6097,7 @@
           <p:cNvPr id="3" name="Footer Placeholder 2">
             <a:extLst>
               <a:ext uri="{FF2B5EF4-FFF2-40B4-BE49-F238E27FC236}">
-                <a16:creationId xmlns:a16="http://schemas.microsoft.com/office/drawing/2014/main" xmlns="" id="{05915714-6BBA-4593-8591-4E26F7D58D9F}"/>
+                <a16:creationId xmlns:a16="http://schemas.microsoft.com/office/drawing/2014/main" id="{05915714-6BBA-4593-8591-4E26F7D58D9F}"/>
               </a:ext>
             </a:extLst>
           </p:cNvPr>
@@ -6122,7 +6122,7 @@
           <p:cNvPr id="4" name="Slide Number Placeholder 3">
             <a:extLst>
               <a:ext uri="{FF2B5EF4-FFF2-40B4-BE49-F238E27FC236}">
-                <a16:creationId xmlns:a16="http://schemas.microsoft.com/office/drawing/2014/main" xmlns="" id="{BE06F857-D2E1-44DD-ABDD-EBB739645B67}"/>
+                <a16:creationId xmlns:a16="http://schemas.microsoft.com/office/drawing/2014/main" id="{BE06F857-D2E1-44DD-ABDD-EBB739645B67}"/>
               </a:ext>
             </a:extLst>
           </p:cNvPr>
@@ -6151,7 +6151,7 @@
           <p:cNvPr id="5" name="Rectangle 4">
             <a:extLst>
               <a:ext uri="{FF2B5EF4-FFF2-40B4-BE49-F238E27FC236}">
-                <a16:creationId xmlns:a16="http://schemas.microsoft.com/office/drawing/2014/main" xmlns="" id="{BB0D84E6-6DEA-1D4E-92C3-A360785A027B}"/>
+                <a16:creationId xmlns:a16="http://schemas.microsoft.com/office/drawing/2014/main" id="{BB0D84E6-6DEA-1D4E-92C3-A360785A027B}"/>
               </a:ext>
             </a:extLst>
           </p:cNvPr>
@@ -6203,7 +6203,7 @@
           <p:cNvPr id="6" name="Triangle 5">
             <a:extLst>
               <a:ext uri="{FF2B5EF4-FFF2-40B4-BE49-F238E27FC236}">
-                <a16:creationId xmlns:a16="http://schemas.microsoft.com/office/drawing/2014/main" xmlns="" id="{C28500E9-800B-C94A-B6F9-F73D37B2D301}"/>
+                <a16:creationId xmlns:a16="http://schemas.microsoft.com/office/drawing/2014/main" id="{C28500E9-800B-C94A-B6F9-F73D37B2D301}"/>
               </a:ext>
             </a:extLst>
           </p:cNvPr>
@@ -6255,7 +6255,7 @@
           <p:cNvPr id="7" name="Triangle 6">
             <a:extLst>
               <a:ext uri="{FF2B5EF4-FFF2-40B4-BE49-F238E27FC236}">
-                <a16:creationId xmlns:a16="http://schemas.microsoft.com/office/drawing/2014/main" xmlns="" id="{1EAD70A4-7AF0-7E4D-ABBC-34DD61D7B01E}"/>
+                <a16:creationId xmlns:a16="http://schemas.microsoft.com/office/drawing/2014/main" id="{1EAD70A4-7AF0-7E4D-ABBC-34DD61D7B01E}"/>
               </a:ext>
             </a:extLst>
           </p:cNvPr>
@@ -6312,7 +6312,7 @@
           <p:cNvPr id="8" name="Title 9">
             <a:extLst>
               <a:ext uri="{FF2B5EF4-FFF2-40B4-BE49-F238E27FC236}">
-                <a16:creationId xmlns:a16="http://schemas.microsoft.com/office/drawing/2014/main" xmlns="" id="{14C43A8B-650C-3B4B-9F8C-592CE9F269FB}"/>
+                <a16:creationId xmlns:a16="http://schemas.microsoft.com/office/drawing/2014/main" id="{14C43A8B-650C-3B4B-9F8C-592CE9F269FB}"/>
               </a:ext>
             </a:extLst>
           </p:cNvPr>
@@ -6354,7 +6354,7 @@
           <p:cNvPr id="9" name="Text Placeholder 2">
             <a:extLst>
               <a:ext uri="{FF2B5EF4-FFF2-40B4-BE49-F238E27FC236}">
-                <a16:creationId xmlns:a16="http://schemas.microsoft.com/office/drawing/2014/main" xmlns="" id="{0345C704-9538-984E-8D14-D6AEC9A4C42E}"/>
+                <a16:creationId xmlns:a16="http://schemas.microsoft.com/office/drawing/2014/main" id="{0345C704-9538-984E-8D14-D6AEC9A4C42E}"/>
               </a:ext>
             </a:extLst>
           </p:cNvPr>
@@ -6431,7 +6431,7 @@
           <p:cNvPr id="13" name="Picture Placeholder 11">
             <a:extLst>
               <a:ext uri="{FF2B5EF4-FFF2-40B4-BE49-F238E27FC236}">
-                <a16:creationId xmlns:a16="http://schemas.microsoft.com/office/drawing/2014/main" xmlns="" id="{647B5AD0-4AD4-9843-9C08-DEF894490A97}"/>
+                <a16:creationId xmlns:a16="http://schemas.microsoft.com/office/drawing/2014/main" id="{647B5AD0-4AD4-9843-9C08-DEF894490A97}"/>
               </a:ext>
             </a:extLst>
           </p:cNvPr>
@@ -6471,7 +6471,7 @@
           <p:cNvPr id="14" name="Triangle 13">
             <a:extLst>
               <a:ext uri="{FF2B5EF4-FFF2-40B4-BE49-F238E27FC236}">
-                <a16:creationId xmlns:a16="http://schemas.microsoft.com/office/drawing/2014/main" xmlns="" id="{8795BE2D-99B1-FE49-84B1-C41E44A8AC0B}"/>
+                <a16:creationId xmlns:a16="http://schemas.microsoft.com/office/drawing/2014/main" id="{8795BE2D-99B1-FE49-84B1-C41E44A8AC0B}"/>
               </a:ext>
             </a:extLst>
           </p:cNvPr>
@@ -6553,7 +6553,7 @@
           <p:cNvPr id="10" name="Picture Placeholder 9">
             <a:extLst>
               <a:ext uri="{FF2B5EF4-FFF2-40B4-BE49-F238E27FC236}">
-                <a16:creationId xmlns:a16="http://schemas.microsoft.com/office/drawing/2014/main" xmlns="" id="{34F14FD9-9995-BE48-8C0E-B1454B9F231E}"/>
+                <a16:creationId xmlns:a16="http://schemas.microsoft.com/office/drawing/2014/main" id="{34F14FD9-9995-BE48-8C0E-B1454B9F231E}"/>
               </a:ext>
             </a:extLst>
           </p:cNvPr>
@@ -6670,7 +6670,7 @@
           <p:cNvPr id="15" name="Freeform 14">
             <a:extLst>
               <a:ext uri="{FF2B5EF4-FFF2-40B4-BE49-F238E27FC236}">
-                <a16:creationId xmlns:a16="http://schemas.microsoft.com/office/drawing/2014/main" xmlns="" id="{BFAE6FFB-F37C-7040-87B6-654B2F44CE7A}"/>
+                <a16:creationId xmlns:a16="http://schemas.microsoft.com/office/drawing/2014/main" id="{BFAE6FFB-F37C-7040-87B6-654B2F44CE7A}"/>
               </a:ext>
             </a:extLst>
           </p:cNvPr>
@@ -6799,7 +6799,7 @@
           <p:cNvPr id="2" name="Date Placeholder 1">
             <a:extLst>
               <a:ext uri="{FF2B5EF4-FFF2-40B4-BE49-F238E27FC236}">
-                <a16:creationId xmlns:a16="http://schemas.microsoft.com/office/drawing/2014/main" xmlns="" id="{94E9223F-721F-47BF-9FD5-0F8D12FF0DE1}"/>
+                <a16:creationId xmlns:a16="http://schemas.microsoft.com/office/drawing/2014/main" id="{94E9223F-721F-47BF-9FD5-0F8D12FF0DE1}"/>
               </a:ext>
             </a:extLst>
           </p:cNvPr>
@@ -6817,7 +6817,7 @@
           <a:p>
             <a:fld id="{39667345-2558-425A-8533-9BFDBCE15005}" type="datetime1">
               <a:rPr lang="en-US" smtClean="0"/>
-              <a:t>4/26/2021</a:t>
+              <a:t>4/28/2021</a:t>
             </a:fld>
             <a:endParaRPr lang="en-US" dirty="0"/>
           </a:p>
@@ -6828,7 +6828,7 @@
           <p:cNvPr id="3" name="Footer Placeholder 2">
             <a:extLst>
               <a:ext uri="{FF2B5EF4-FFF2-40B4-BE49-F238E27FC236}">
-                <a16:creationId xmlns:a16="http://schemas.microsoft.com/office/drawing/2014/main" xmlns="" id="{05915714-6BBA-4593-8591-4E26F7D58D9F}"/>
+                <a16:creationId xmlns:a16="http://schemas.microsoft.com/office/drawing/2014/main" id="{05915714-6BBA-4593-8591-4E26F7D58D9F}"/>
               </a:ext>
             </a:extLst>
           </p:cNvPr>
@@ -6853,7 +6853,7 @@
           <p:cNvPr id="4" name="Slide Number Placeholder 3">
             <a:extLst>
               <a:ext uri="{FF2B5EF4-FFF2-40B4-BE49-F238E27FC236}">
-                <a16:creationId xmlns:a16="http://schemas.microsoft.com/office/drawing/2014/main" xmlns="" id="{BE06F857-D2E1-44DD-ABDD-EBB739645B67}"/>
+                <a16:creationId xmlns:a16="http://schemas.microsoft.com/office/drawing/2014/main" id="{BE06F857-D2E1-44DD-ABDD-EBB739645B67}"/>
               </a:ext>
             </a:extLst>
           </p:cNvPr>
@@ -6882,7 +6882,7 @@
           <p:cNvPr id="12" name="Title 1">
             <a:extLst>
               <a:ext uri="{FF2B5EF4-FFF2-40B4-BE49-F238E27FC236}">
-                <a16:creationId xmlns:a16="http://schemas.microsoft.com/office/drawing/2014/main" xmlns="" id="{48AB73D1-1AA1-4E44-A7DA-8C00D8E109E3}"/>
+                <a16:creationId xmlns:a16="http://schemas.microsoft.com/office/drawing/2014/main" id="{48AB73D1-1AA1-4E44-A7DA-8C00D8E109E3}"/>
               </a:ext>
             </a:extLst>
           </p:cNvPr>
@@ -6925,7 +6925,7 @@
           <p:cNvPr id="13" name="Triangle 12">
             <a:extLst>
               <a:ext uri="{FF2B5EF4-FFF2-40B4-BE49-F238E27FC236}">
-                <a16:creationId xmlns:a16="http://schemas.microsoft.com/office/drawing/2014/main" xmlns="" id="{611FC0D0-E6E4-7645-B0C7-97FB2012039D}"/>
+                <a16:creationId xmlns:a16="http://schemas.microsoft.com/office/drawing/2014/main" id="{611FC0D0-E6E4-7645-B0C7-97FB2012039D}"/>
               </a:ext>
             </a:extLst>
           </p:cNvPr>
@@ -7007,7 +7007,7 @@
           <p:cNvPr id="4" name="Slide Number Placeholder 3">
             <a:extLst>
               <a:ext uri="{FF2B5EF4-FFF2-40B4-BE49-F238E27FC236}">
-                <a16:creationId xmlns:a16="http://schemas.microsoft.com/office/drawing/2014/main" xmlns="" id="{BE06F857-D2E1-44DD-ABDD-EBB739645B67}"/>
+                <a16:creationId xmlns:a16="http://schemas.microsoft.com/office/drawing/2014/main" id="{BE06F857-D2E1-44DD-ABDD-EBB739645B67}"/>
               </a:ext>
             </a:extLst>
           </p:cNvPr>
@@ -7036,7 +7036,7 @@
           <p:cNvPr id="13" name="Group 12">
             <a:extLst>
               <a:ext uri="{FF2B5EF4-FFF2-40B4-BE49-F238E27FC236}">
-                <a16:creationId xmlns:a16="http://schemas.microsoft.com/office/drawing/2014/main" xmlns="" id="{C3F11B56-403C-AA43-BA54-5CD9A60BDDC5}"/>
+                <a16:creationId xmlns:a16="http://schemas.microsoft.com/office/drawing/2014/main" id="{C3F11B56-403C-AA43-BA54-5CD9A60BDDC5}"/>
               </a:ext>
             </a:extLst>
           </p:cNvPr>
@@ -7056,7 +7056,7 @@
             <p:cNvPr id="5" name="Freeform 4">
               <a:extLst>
                 <a:ext uri="{FF2B5EF4-FFF2-40B4-BE49-F238E27FC236}">
-                  <a16:creationId xmlns:a16="http://schemas.microsoft.com/office/drawing/2014/main" xmlns="" id="{D8BAD61D-F455-9240-A0C6-DE4F40E47C29}"/>
+                  <a16:creationId xmlns:a16="http://schemas.microsoft.com/office/drawing/2014/main" id="{D8BAD61D-F455-9240-A0C6-DE4F40E47C29}"/>
                 </a:ext>
               </a:extLst>
             </p:cNvPr>
@@ -7251,7 +7251,7 @@
             <p:cNvPr id="7" name="Triangle 6">
               <a:extLst>
                 <a:ext uri="{FF2B5EF4-FFF2-40B4-BE49-F238E27FC236}">
-                  <a16:creationId xmlns:a16="http://schemas.microsoft.com/office/drawing/2014/main" xmlns="" id="{75004ACB-4E38-6449-B733-0C6A6BC40ADD}"/>
+                  <a16:creationId xmlns:a16="http://schemas.microsoft.com/office/drawing/2014/main" id="{75004ACB-4E38-6449-B733-0C6A6BC40ADD}"/>
                 </a:ext>
               </a:extLst>
             </p:cNvPr>
@@ -7303,7 +7303,7 @@
             <p:cNvPr id="8" name="Triangle 7">
               <a:extLst>
                 <a:ext uri="{FF2B5EF4-FFF2-40B4-BE49-F238E27FC236}">
-                  <a16:creationId xmlns:a16="http://schemas.microsoft.com/office/drawing/2014/main" xmlns="" id="{6A52034F-1EDC-3040-A1B3-B572FC286C20}"/>
+                  <a16:creationId xmlns:a16="http://schemas.microsoft.com/office/drawing/2014/main" id="{6A52034F-1EDC-3040-A1B3-B572FC286C20}"/>
                 </a:ext>
               </a:extLst>
             </p:cNvPr>
@@ -7356,7 +7356,7 @@
           <p:cNvPr id="10" name="Title 1">
             <a:extLst>
               <a:ext uri="{FF2B5EF4-FFF2-40B4-BE49-F238E27FC236}">
-                <a16:creationId xmlns:a16="http://schemas.microsoft.com/office/drawing/2014/main" xmlns="" id="{1877EC85-9CA1-EB4F-A9AC-2C02CB520866}"/>
+                <a16:creationId xmlns:a16="http://schemas.microsoft.com/office/drawing/2014/main" id="{1877EC85-9CA1-EB4F-A9AC-2C02CB520866}"/>
               </a:ext>
             </a:extLst>
           </p:cNvPr>
@@ -7397,7 +7397,7 @@
           <p:cNvPr id="12" name="Triangle 11">
             <a:extLst>
               <a:ext uri="{FF2B5EF4-FFF2-40B4-BE49-F238E27FC236}">
-                <a16:creationId xmlns:a16="http://schemas.microsoft.com/office/drawing/2014/main" xmlns="" id="{FD910B80-BD19-CF49-AB0B-1C5DEECEDED5}"/>
+                <a16:creationId xmlns:a16="http://schemas.microsoft.com/office/drawing/2014/main" id="{FD910B80-BD19-CF49-AB0B-1C5DEECEDED5}"/>
               </a:ext>
             </a:extLst>
           </p:cNvPr>
@@ -7479,7 +7479,7 @@
           <p:cNvPr id="11" name="Group 10">
             <a:extLst>
               <a:ext uri="{FF2B5EF4-FFF2-40B4-BE49-F238E27FC236}">
-                <a16:creationId xmlns:a16="http://schemas.microsoft.com/office/drawing/2014/main" xmlns="" id="{C15DFD37-81D5-5742-B09A-5D4CBF48B7EA}"/>
+                <a16:creationId xmlns:a16="http://schemas.microsoft.com/office/drawing/2014/main" id="{C15DFD37-81D5-5742-B09A-5D4CBF48B7EA}"/>
               </a:ext>
             </a:extLst>
           </p:cNvPr>
@@ -7499,7 +7499,7 @@
             <p:cNvPr id="12" name="Freeform 11">
               <a:extLst>
                 <a:ext uri="{FF2B5EF4-FFF2-40B4-BE49-F238E27FC236}">
-                  <a16:creationId xmlns:a16="http://schemas.microsoft.com/office/drawing/2014/main" xmlns="" id="{00CF4E43-4A68-664C-B973-2FE49DC7733D}"/>
+                  <a16:creationId xmlns:a16="http://schemas.microsoft.com/office/drawing/2014/main" id="{00CF4E43-4A68-664C-B973-2FE49DC7733D}"/>
                 </a:ext>
               </a:extLst>
             </p:cNvPr>
@@ -7654,7 +7654,7 @@
             <p:cNvPr id="13" name="Triangle 12">
               <a:extLst>
                 <a:ext uri="{FF2B5EF4-FFF2-40B4-BE49-F238E27FC236}">
-                  <a16:creationId xmlns:a16="http://schemas.microsoft.com/office/drawing/2014/main" xmlns="" id="{AFAD3D76-9126-CC42-90B0-5BF85DC91E3E}"/>
+                  <a16:creationId xmlns:a16="http://schemas.microsoft.com/office/drawing/2014/main" id="{AFAD3D76-9126-CC42-90B0-5BF85DC91E3E}"/>
                 </a:ext>
               </a:extLst>
             </p:cNvPr>
@@ -7706,7 +7706,7 @@
             <p:cNvPr id="14" name="Triangle 13">
               <a:extLst>
                 <a:ext uri="{FF2B5EF4-FFF2-40B4-BE49-F238E27FC236}">
-                  <a16:creationId xmlns:a16="http://schemas.microsoft.com/office/drawing/2014/main" xmlns="" id="{9D011AB3-8218-AE4F-9DF7-810A1B45C453}"/>
+                  <a16:creationId xmlns:a16="http://schemas.microsoft.com/office/drawing/2014/main" id="{9D011AB3-8218-AE4F-9DF7-810A1B45C453}"/>
                 </a:ext>
               </a:extLst>
             </p:cNvPr>
@@ -7759,7 +7759,7 @@
           <p:cNvPr id="4" name="Slide Number Placeholder 3">
             <a:extLst>
               <a:ext uri="{FF2B5EF4-FFF2-40B4-BE49-F238E27FC236}">
-                <a16:creationId xmlns:a16="http://schemas.microsoft.com/office/drawing/2014/main" xmlns="" id="{BE06F857-D2E1-44DD-ABDD-EBB739645B67}"/>
+                <a16:creationId xmlns:a16="http://schemas.microsoft.com/office/drawing/2014/main" id="{BE06F857-D2E1-44DD-ABDD-EBB739645B67}"/>
               </a:ext>
             </a:extLst>
           </p:cNvPr>
@@ -7793,7 +7793,7 @@
           <p:cNvPr id="10" name="Title 1">
             <a:extLst>
               <a:ext uri="{FF2B5EF4-FFF2-40B4-BE49-F238E27FC236}">
-                <a16:creationId xmlns:a16="http://schemas.microsoft.com/office/drawing/2014/main" xmlns="" id="{1877EC85-9CA1-EB4F-A9AC-2C02CB520866}"/>
+                <a16:creationId xmlns:a16="http://schemas.microsoft.com/office/drawing/2014/main" id="{1877EC85-9CA1-EB4F-A9AC-2C02CB520866}"/>
               </a:ext>
             </a:extLst>
           </p:cNvPr>
@@ -7834,7 +7834,7 @@
           <p:cNvPr id="9" name="Triangle 8">
             <a:extLst>
               <a:ext uri="{FF2B5EF4-FFF2-40B4-BE49-F238E27FC236}">
-                <a16:creationId xmlns:a16="http://schemas.microsoft.com/office/drawing/2014/main" xmlns="" id="{D84320FE-42A3-294B-AAE0-3D16A63E3599}"/>
+                <a16:creationId xmlns:a16="http://schemas.microsoft.com/office/drawing/2014/main" id="{D84320FE-42A3-294B-AAE0-3D16A63E3599}"/>
               </a:ext>
             </a:extLst>
           </p:cNvPr>
@@ -7916,7 +7916,7 @@
           <p:cNvPr id="14" name="Rectangle 13">
             <a:extLst>
               <a:ext uri="{FF2B5EF4-FFF2-40B4-BE49-F238E27FC236}">
-                <a16:creationId xmlns:a16="http://schemas.microsoft.com/office/drawing/2014/main" xmlns="" id="{3FFCAC17-2511-3D4F-A318-B241447A2C02}"/>
+                <a16:creationId xmlns:a16="http://schemas.microsoft.com/office/drawing/2014/main" id="{3FFCAC17-2511-3D4F-A318-B241447A2C02}"/>
               </a:ext>
             </a:extLst>
           </p:cNvPr>
@@ -7968,7 +7968,7 @@
           <p:cNvPr id="15" name="Content Placeholder 2">
             <a:extLst>
               <a:ext uri="{FF2B5EF4-FFF2-40B4-BE49-F238E27FC236}">
-                <a16:creationId xmlns:a16="http://schemas.microsoft.com/office/drawing/2014/main" xmlns="" id="{C13F5538-7999-A74B-BCB7-A96C8DBCCD06}"/>
+                <a16:creationId xmlns:a16="http://schemas.microsoft.com/office/drawing/2014/main" id="{C13F5538-7999-A74B-BCB7-A96C8DBCCD06}"/>
               </a:ext>
             </a:extLst>
           </p:cNvPr>
@@ -8092,7 +8092,7 @@
           <p:cNvPr id="16" name="Date Placeholder 6">
             <a:extLst>
               <a:ext uri="{FF2B5EF4-FFF2-40B4-BE49-F238E27FC236}">
-                <a16:creationId xmlns:a16="http://schemas.microsoft.com/office/drawing/2014/main" xmlns="" id="{DE5056B4-56A3-6E40-92E1-FA33B5C8F807}"/>
+                <a16:creationId xmlns:a16="http://schemas.microsoft.com/office/drawing/2014/main" id="{DE5056B4-56A3-6E40-92E1-FA33B5C8F807}"/>
               </a:ext>
             </a:extLst>
           </p:cNvPr>
@@ -8115,7 +8115,7 @@
           <a:p>
             <a:fld id="{4BE1D723-8F53-4F53-90B0-1982A396982E}" type="datetime1">
               <a:rPr lang="en-US" smtClean="0"/>
-              <a:t>4/26/2021</a:t>
+              <a:t>4/28/2021</a:t>
             </a:fld>
             <a:endParaRPr lang="en-US" dirty="0"/>
           </a:p>
@@ -8126,7 +8126,7 @@
           <p:cNvPr id="17" name="Footer Placeholder 7">
             <a:extLst>
               <a:ext uri="{FF2B5EF4-FFF2-40B4-BE49-F238E27FC236}">
-                <a16:creationId xmlns:a16="http://schemas.microsoft.com/office/drawing/2014/main" xmlns="" id="{A47DE6D7-793F-C846-8A00-3061847B66B0}"/>
+                <a16:creationId xmlns:a16="http://schemas.microsoft.com/office/drawing/2014/main" id="{A47DE6D7-793F-C846-8A00-3061847B66B0}"/>
               </a:ext>
             </a:extLst>
           </p:cNvPr>
@@ -8156,7 +8156,7 @@
           <p:cNvPr id="18" name="Slide Number Placeholder 8">
             <a:extLst>
               <a:ext uri="{FF2B5EF4-FFF2-40B4-BE49-F238E27FC236}">
-                <a16:creationId xmlns:a16="http://schemas.microsoft.com/office/drawing/2014/main" xmlns="" id="{B4C61174-2D39-E640-8A16-DCE655544212}"/>
+                <a16:creationId xmlns:a16="http://schemas.microsoft.com/office/drawing/2014/main" id="{B4C61174-2D39-E640-8A16-DCE655544212}"/>
               </a:ext>
             </a:extLst>
           </p:cNvPr>
@@ -8190,7 +8190,7 @@
           <p:cNvPr id="19" name="Title 9">
             <a:extLst>
               <a:ext uri="{FF2B5EF4-FFF2-40B4-BE49-F238E27FC236}">
-                <a16:creationId xmlns:a16="http://schemas.microsoft.com/office/drawing/2014/main" xmlns="" id="{13596EE0-A679-3B49-BA9A-D5C79B0C8381}"/>
+                <a16:creationId xmlns:a16="http://schemas.microsoft.com/office/drawing/2014/main" id="{13596EE0-A679-3B49-BA9A-D5C79B0C8381}"/>
               </a:ext>
             </a:extLst>
           </p:cNvPr>
@@ -8232,7 +8232,7 @@
           <p:cNvPr id="20" name="Triangle 19">
             <a:extLst>
               <a:ext uri="{FF2B5EF4-FFF2-40B4-BE49-F238E27FC236}">
-                <a16:creationId xmlns:a16="http://schemas.microsoft.com/office/drawing/2014/main" xmlns="" id="{3E931B03-E301-6D48-8377-B08DA6C95F0B}"/>
+                <a16:creationId xmlns:a16="http://schemas.microsoft.com/office/drawing/2014/main" id="{3E931B03-E301-6D48-8377-B08DA6C95F0B}"/>
               </a:ext>
             </a:extLst>
           </p:cNvPr>
@@ -8284,7 +8284,7 @@
           <p:cNvPr id="21" name="Triangle 20">
             <a:extLst>
               <a:ext uri="{FF2B5EF4-FFF2-40B4-BE49-F238E27FC236}">
-                <a16:creationId xmlns:a16="http://schemas.microsoft.com/office/drawing/2014/main" xmlns="" id="{249401AC-F116-8B4C-A1A0-CF88B63E549B}"/>
+                <a16:creationId xmlns:a16="http://schemas.microsoft.com/office/drawing/2014/main" id="{249401AC-F116-8B4C-A1A0-CF88B63E549B}"/>
               </a:ext>
             </a:extLst>
           </p:cNvPr>
@@ -8336,7 +8336,7 @@
           <p:cNvPr id="4" name="Picture Placeholder 3">
             <a:extLst>
               <a:ext uri="{FF2B5EF4-FFF2-40B4-BE49-F238E27FC236}">
-                <a16:creationId xmlns:a16="http://schemas.microsoft.com/office/drawing/2014/main" xmlns="" id="{8A3226FF-244B-B540-ABAC-5C0E3DE3103C}"/>
+                <a16:creationId xmlns:a16="http://schemas.microsoft.com/office/drawing/2014/main" id="{8A3226FF-244B-B540-ABAC-5C0E3DE3103C}"/>
               </a:ext>
             </a:extLst>
           </p:cNvPr>
@@ -8411,7 +8411,7 @@
           <p:cNvPr id="13" name="Rectangle 12">
             <a:extLst>
               <a:ext uri="{FF2B5EF4-FFF2-40B4-BE49-F238E27FC236}">
-                <a16:creationId xmlns:a16="http://schemas.microsoft.com/office/drawing/2014/main" xmlns="" id="{97418687-D621-0443-9593-F546524940B3}"/>
+                <a16:creationId xmlns:a16="http://schemas.microsoft.com/office/drawing/2014/main" id="{97418687-D621-0443-9593-F546524940B3}"/>
               </a:ext>
             </a:extLst>
           </p:cNvPr>
@@ -8581,7 +8581,7 @@
           <p:cNvPr id="7" name="Date Placeholder 6">
             <a:extLst>
               <a:ext uri="{FF2B5EF4-FFF2-40B4-BE49-F238E27FC236}">
-                <a16:creationId xmlns:a16="http://schemas.microsoft.com/office/drawing/2014/main" xmlns="" id="{354D8B55-9EA8-4B81-8E84-9B93B0A27559}"/>
+                <a16:creationId xmlns:a16="http://schemas.microsoft.com/office/drawing/2014/main" id="{354D8B55-9EA8-4B81-8E84-9B93B0A27559}"/>
               </a:ext>
             </a:extLst>
           </p:cNvPr>
@@ -8599,7 +8599,7 @@
           <a:p>
             <a:fld id="{4BE1D723-8F53-4F53-90B0-1982A396982E}" type="datetime1">
               <a:rPr lang="en-US" smtClean="0"/>
-              <a:t>4/26/2021</a:t>
+              <a:t>4/28/2021</a:t>
             </a:fld>
             <a:endParaRPr lang="en-US" dirty="0"/>
           </a:p>
@@ -8610,7 +8610,7 @@
           <p:cNvPr id="8" name="Footer Placeholder 7">
             <a:extLst>
               <a:ext uri="{FF2B5EF4-FFF2-40B4-BE49-F238E27FC236}">
-                <a16:creationId xmlns:a16="http://schemas.microsoft.com/office/drawing/2014/main" xmlns="" id="{062CA021-2578-47CB-822C-BDDFF7223B28}"/>
+                <a16:creationId xmlns:a16="http://schemas.microsoft.com/office/drawing/2014/main" id="{062CA021-2578-47CB-822C-BDDFF7223B28}"/>
               </a:ext>
             </a:extLst>
           </p:cNvPr>
@@ -8640,7 +8640,7 @@
           <p:cNvPr id="9" name="Slide Number Placeholder 8">
             <a:extLst>
               <a:ext uri="{FF2B5EF4-FFF2-40B4-BE49-F238E27FC236}">
-                <a16:creationId xmlns:a16="http://schemas.microsoft.com/office/drawing/2014/main" xmlns="" id="{C4AAB51D-4141-4682-9375-DAFD5FB9DD10}"/>
+                <a16:creationId xmlns:a16="http://schemas.microsoft.com/office/drawing/2014/main" id="{C4AAB51D-4141-4682-9375-DAFD5FB9DD10}"/>
               </a:ext>
             </a:extLst>
           </p:cNvPr>
@@ -8669,7 +8669,7 @@
           <p:cNvPr id="10" name="Title 9">
             <a:extLst>
               <a:ext uri="{FF2B5EF4-FFF2-40B4-BE49-F238E27FC236}">
-                <a16:creationId xmlns:a16="http://schemas.microsoft.com/office/drawing/2014/main" xmlns="" id="{E885CA99-382D-3E4B-9C4E-B250026EF32E}"/>
+                <a16:creationId xmlns:a16="http://schemas.microsoft.com/office/drawing/2014/main" id="{E885CA99-382D-3E4B-9C4E-B250026EF32E}"/>
               </a:ext>
             </a:extLst>
           </p:cNvPr>
@@ -8711,7 +8711,7 @@
           <p:cNvPr id="11" name="Triangle 10">
             <a:extLst>
               <a:ext uri="{FF2B5EF4-FFF2-40B4-BE49-F238E27FC236}">
-                <a16:creationId xmlns:a16="http://schemas.microsoft.com/office/drawing/2014/main" xmlns="" id="{6FFCA020-4282-7D4F-AD59-3DEA5E91ADAB}"/>
+                <a16:creationId xmlns:a16="http://schemas.microsoft.com/office/drawing/2014/main" id="{6FFCA020-4282-7D4F-AD59-3DEA5E91ADAB}"/>
               </a:ext>
             </a:extLst>
           </p:cNvPr>
@@ -8763,7 +8763,7 @@
           <p:cNvPr id="12" name="Triangle 11">
             <a:extLst>
               <a:ext uri="{FF2B5EF4-FFF2-40B4-BE49-F238E27FC236}">
-                <a16:creationId xmlns:a16="http://schemas.microsoft.com/office/drawing/2014/main" xmlns="" id="{653A8DFA-7BAB-7F45-AC35-E4D26BDBC78A}"/>
+                <a16:creationId xmlns:a16="http://schemas.microsoft.com/office/drawing/2014/main" id="{653A8DFA-7BAB-7F45-AC35-E4D26BDBC78A}"/>
               </a:ext>
             </a:extLst>
           </p:cNvPr>
@@ -8815,7 +8815,7 @@
           <p:cNvPr id="17" name="Picture Placeholder 16">
             <a:extLst>
               <a:ext uri="{FF2B5EF4-FFF2-40B4-BE49-F238E27FC236}">
-                <a16:creationId xmlns:a16="http://schemas.microsoft.com/office/drawing/2014/main" xmlns="" id="{F5D5DA7E-149B-BB4E-918D-C5FF23087FF1}"/>
+                <a16:creationId xmlns:a16="http://schemas.microsoft.com/office/drawing/2014/main" id="{F5D5DA7E-149B-BB4E-918D-C5FF23087FF1}"/>
               </a:ext>
             </a:extLst>
           </p:cNvPr>
@@ -8956,7 +8956,7 @@
           <p:cNvPr id="19" name="Triangle 18">
             <a:extLst>
               <a:ext uri="{FF2B5EF4-FFF2-40B4-BE49-F238E27FC236}">
-                <a16:creationId xmlns:a16="http://schemas.microsoft.com/office/drawing/2014/main" xmlns="" id="{BEBB0DCE-DD71-FF40-B471-A617514321E6}"/>
+                <a16:creationId xmlns:a16="http://schemas.microsoft.com/office/drawing/2014/main" id="{BEBB0DCE-DD71-FF40-B471-A617514321E6}"/>
               </a:ext>
             </a:extLst>
           </p:cNvPr>
@@ -9038,7 +9038,7 @@
           <p:cNvPr id="13" name="Rectangle 12">
             <a:extLst>
               <a:ext uri="{FF2B5EF4-FFF2-40B4-BE49-F238E27FC236}">
-                <a16:creationId xmlns:a16="http://schemas.microsoft.com/office/drawing/2014/main" xmlns="" id="{97418687-D621-0443-9593-F546524940B3}"/>
+                <a16:creationId xmlns:a16="http://schemas.microsoft.com/office/drawing/2014/main" id="{97418687-D621-0443-9593-F546524940B3}"/>
               </a:ext>
             </a:extLst>
           </p:cNvPr>
@@ -9208,7 +9208,7 @@
           <p:cNvPr id="7" name="Date Placeholder 6">
             <a:extLst>
               <a:ext uri="{FF2B5EF4-FFF2-40B4-BE49-F238E27FC236}">
-                <a16:creationId xmlns:a16="http://schemas.microsoft.com/office/drawing/2014/main" xmlns="" id="{354D8B55-9EA8-4B81-8E84-9B93B0A27559}"/>
+                <a16:creationId xmlns:a16="http://schemas.microsoft.com/office/drawing/2014/main" id="{354D8B55-9EA8-4B81-8E84-9B93B0A27559}"/>
               </a:ext>
             </a:extLst>
           </p:cNvPr>
@@ -9226,7 +9226,7 @@
           <a:p>
             <a:fld id="{4BE1D723-8F53-4F53-90B0-1982A396982E}" type="datetime1">
               <a:rPr lang="en-US" smtClean="0"/>
-              <a:t>4/26/2021</a:t>
+              <a:t>4/28/2021</a:t>
             </a:fld>
             <a:endParaRPr lang="en-US" dirty="0"/>
           </a:p>
@@ -9237,7 +9237,7 @@
           <p:cNvPr id="8" name="Footer Placeholder 7">
             <a:extLst>
               <a:ext uri="{FF2B5EF4-FFF2-40B4-BE49-F238E27FC236}">
-                <a16:creationId xmlns:a16="http://schemas.microsoft.com/office/drawing/2014/main" xmlns="" id="{062CA021-2578-47CB-822C-BDDFF7223B28}"/>
+                <a16:creationId xmlns:a16="http://schemas.microsoft.com/office/drawing/2014/main" id="{062CA021-2578-47CB-822C-BDDFF7223B28}"/>
               </a:ext>
             </a:extLst>
           </p:cNvPr>
@@ -9262,7 +9262,7 @@
           <p:cNvPr id="9" name="Slide Number Placeholder 8">
             <a:extLst>
               <a:ext uri="{FF2B5EF4-FFF2-40B4-BE49-F238E27FC236}">
-                <a16:creationId xmlns:a16="http://schemas.microsoft.com/office/drawing/2014/main" xmlns="" id="{C4AAB51D-4141-4682-9375-DAFD5FB9DD10}"/>
+                <a16:creationId xmlns:a16="http://schemas.microsoft.com/office/drawing/2014/main" id="{C4AAB51D-4141-4682-9375-DAFD5FB9DD10}"/>
               </a:ext>
             </a:extLst>
           </p:cNvPr>
@@ -9291,7 +9291,7 @@
           <p:cNvPr id="10" name="Title 9">
             <a:extLst>
               <a:ext uri="{FF2B5EF4-FFF2-40B4-BE49-F238E27FC236}">
-                <a16:creationId xmlns:a16="http://schemas.microsoft.com/office/drawing/2014/main" xmlns="" id="{E885CA99-382D-3E4B-9C4E-B250026EF32E}"/>
+                <a16:creationId xmlns:a16="http://schemas.microsoft.com/office/drawing/2014/main" id="{E885CA99-382D-3E4B-9C4E-B250026EF32E}"/>
               </a:ext>
             </a:extLst>
           </p:cNvPr>
@@ -9333,7 +9333,7 @@
           <p:cNvPr id="11" name="Triangle 10">
             <a:extLst>
               <a:ext uri="{FF2B5EF4-FFF2-40B4-BE49-F238E27FC236}">
-                <a16:creationId xmlns:a16="http://schemas.microsoft.com/office/drawing/2014/main" xmlns="" id="{6FFCA020-4282-7D4F-AD59-3DEA5E91ADAB}"/>
+                <a16:creationId xmlns:a16="http://schemas.microsoft.com/office/drawing/2014/main" id="{6FFCA020-4282-7D4F-AD59-3DEA5E91ADAB}"/>
               </a:ext>
             </a:extLst>
           </p:cNvPr>
@@ -9385,7 +9385,7 @@
           <p:cNvPr id="12" name="Triangle 11">
             <a:extLst>
               <a:ext uri="{FF2B5EF4-FFF2-40B4-BE49-F238E27FC236}">
-                <a16:creationId xmlns:a16="http://schemas.microsoft.com/office/drawing/2014/main" xmlns="" id="{653A8DFA-7BAB-7F45-AC35-E4D26BDBC78A}"/>
+                <a16:creationId xmlns:a16="http://schemas.microsoft.com/office/drawing/2014/main" id="{653A8DFA-7BAB-7F45-AC35-E4D26BDBC78A}"/>
               </a:ext>
             </a:extLst>
           </p:cNvPr>
@@ -9467,7 +9467,7 @@
           <p:cNvPr id="13" name="Rectangle 12">
             <a:extLst>
               <a:ext uri="{FF2B5EF4-FFF2-40B4-BE49-F238E27FC236}">
-                <a16:creationId xmlns:a16="http://schemas.microsoft.com/office/drawing/2014/main" xmlns="" id="{97418687-D621-0443-9593-F546524940B3}"/>
+                <a16:creationId xmlns:a16="http://schemas.microsoft.com/office/drawing/2014/main" id="{97418687-D621-0443-9593-F546524940B3}"/>
               </a:ext>
             </a:extLst>
           </p:cNvPr>
@@ -9519,7 +9519,7 @@
           <p:cNvPr id="7" name="Date Placeholder 6">
             <a:extLst>
               <a:ext uri="{FF2B5EF4-FFF2-40B4-BE49-F238E27FC236}">
-                <a16:creationId xmlns:a16="http://schemas.microsoft.com/office/drawing/2014/main" xmlns="" id="{354D8B55-9EA8-4B81-8E84-9B93B0A27559}"/>
+                <a16:creationId xmlns:a16="http://schemas.microsoft.com/office/drawing/2014/main" id="{354D8B55-9EA8-4B81-8E84-9B93B0A27559}"/>
               </a:ext>
             </a:extLst>
           </p:cNvPr>
@@ -9537,7 +9537,7 @@
           <a:p>
             <a:fld id="{4BE1D723-8F53-4F53-90B0-1982A396982E}" type="datetime1">
               <a:rPr lang="en-US" smtClean="0"/>
-              <a:t>4/26/2021</a:t>
+              <a:t>4/28/2021</a:t>
             </a:fld>
             <a:endParaRPr lang="en-US" dirty="0"/>
           </a:p>
@@ -9548,7 +9548,7 @@
           <p:cNvPr id="8" name="Footer Placeholder 7">
             <a:extLst>
               <a:ext uri="{FF2B5EF4-FFF2-40B4-BE49-F238E27FC236}">
-                <a16:creationId xmlns:a16="http://schemas.microsoft.com/office/drawing/2014/main" xmlns="" id="{062CA021-2578-47CB-822C-BDDFF7223B28}"/>
+                <a16:creationId xmlns:a16="http://schemas.microsoft.com/office/drawing/2014/main" id="{062CA021-2578-47CB-822C-BDDFF7223B28}"/>
               </a:ext>
             </a:extLst>
           </p:cNvPr>
@@ -9573,7 +9573,7 @@
           <p:cNvPr id="9" name="Slide Number Placeholder 8">
             <a:extLst>
               <a:ext uri="{FF2B5EF4-FFF2-40B4-BE49-F238E27FC236}">
-                <a16:creationId xmlns:a16="http://schemas.microsoft.com/office/drawing/2014/main" xmlns="" id="{C4AAB51D-4141-4682-9375-DAFD5FB9DD10}"/>
+                <a16:creationId xmlns:a16="http://schemas.microsoft.com/office/drawing/2014/main" id="{C4AAB51D-4141-4682-9375-DAFD5FB9DD10}"/>
               </a:ext>
             </a:extLst>
           </p:cNvPr>
@@ -9602,7 +9602,7 @@
           <p:cNvPr id="10" name="Title 9">
             <a:extLst>
               <a:ext uri="{FF2B5EF4-FFF2-40B4-BE49-F238E27FC236}">
-                <a16:creationId xmlns:a16="http://schemas.microsoft.com/office/drawing/2014/main" xmlns="" id="{E885CA99-382D-3E4B-9C4E-B250026EF32E}"/>
+                <a16:creationId xmlns:a16="http://schemas.microsoft.com/office/drawing/2014/main" id="{E885CA99-382D-3E4B-9C4E-B250026EF32E}"/>
               </a:ext>
             </a:extLst>
           </p:cNvPr>
@@ -9644,7 +9644,7 @@
           <p:cNvPr id="11" name="Triangle 10">
             <a:extLst>
               <a:ext uri="{FF2B5EF4-FFF2-40B4-BE49-F238E27FC236}">
-                <a16:creationId xmlns:a16="http://schemas.microsoft.com/office/drawing/2014/main" xmlns="" id="{6FFCA020-4282-7D4F-AD59-3DEA5E91ADAB}"/>
+                <a16:creationId xmlns:a16="http://schemas.microsoft.com/office/drawing/2014/main" id="{6FFCA020-4282-7D4F-AD59-3DEA5E91ADAB}"/>
               </a:ext>
             </a:extLst>
           </p:cNvPr>
@@ -9696,7 +9696,7 @@
           <p:cNvPr id="12" name="Triangle 11">
             <a:extLst>
               <a:ext uri="{FF2B5EF4-FFF2-40B4-BE49-F238E27FC236}">
-                <a16:creationId xmlns:a16="http://schemas.microsoft.com/office/drawing/2014/main" xmlns="" id="{653A8DFA-7BAB-7F45-AC35-E4D26BDBC78A}"/>
+                <a16:creationId xmlns:a16="http://schemas.microsoft.com/office/drawing/2014/main" id="{653A8DFA-7BAB-7F45-AC35-E4D26BDBC78A}"/>
               </a:ext>
             </a:extLst>
           </p:cNvPr>
@@ -9786,7 +9786,7 @@
           <p:cNvPr id="13" name="Rectangle 12">
             <a:extLst>
               <a:ext uri="{FF2B5EF4-FFF2-40B4-BE49-F238E27FC236}">
-                <a16:creationId xmlns:a16="http://schemas.microsoft.com/office/drawing/2014/main" xmlns="" id="{97418687-D621-0443-9593-F546524940B3}"/>
+                <a16:creationId xmlns:a16="http://schemas.microsoft.com/office/drawing/2014/main" id="{97418687-D621-0443-9593-F546524940B3}"/>
               </a:ext>
             </a:extLst>
           </p:cNvPr>
@@ -9838,7 +9838,7 @@
           <p:cNvPr id="7" name="Date Placeholder 6">
             <a:extLst>
               <a:ext uri="{FF2B5EF4-FFF2-40B4-BE49-F238E27FC236}">
-                <a16:creationId xmlns:a16="http://schemas.microsoft.com/office/drawing/2014/main" xmlns="" id="{354D8B55-9EA8-4B81-8E84-9B93B0A27559}"/>
+                <a16:creationId xmlns:a16="http://schemas.microsoft.com/office/drawing/2014/main" id="{354D8B55-9EA8-4B81-8E84-9B93B0A27559}"/>
               </a:ext>
             </a:extLst>
           </p:cNvPr>
@@ -9856,7 +9856,7 @@
           <a:p>
             <a:fld id="{4BE1D723-8F53-4F53-90B0-1982A396982E}" type="datetime1">
               <a:rPr lang="en-US" smtClean="0"/>
-              <a:t>4/26/2021</a:t>
+              <a:t>4/28/2021</a:t>
             </a:fld>
             <a:endParaRPr lang="en-US" dirty="0"/>
           </a:p>
@@ -9867,7 +9867,7 @@
           <p:cNvPr id="8" name="Footer Placeholder 7">
             <a:extLst>
               <a:ext uri="{FF2B5EF4-FFF2-40B4-BE49-F238E27FC236}">
-                <a16:creationId xmlns:a16="http://schemas.microsoft.com/office/drawing/2014/main" xmlns="" id="{062CA021-2578-47CB-822C-BDDFF7223B28}"/>
+                <a16:creationId xmlns:a16="http://schemas.microsoft.com/office/drawing/2014/main" id="{062CA021-2578-47CB-822C-BDDFF7223B28}"/>
               </a:ext>
             </a:extLst>
           </p:cNvPr>
@@ -9892,7 +9892,7 @@
           <p:cNvPr id="9" name="Slide Number Placeholder 8">
             <a:extLst>
               <a:ext uri="{FF2B5EF4-FFF2-40B4-BE49-F238E27FC236}">
-                <a16:creationId xmlns:a16="http://schemas.microsoft.com/office/drawing/2014/main" xmlns="" id="{C4AAB51D-4141-4682-9375-DAFD5FB9DD10}"/>
+                <a16:creationId xmlns:a16="http://schemas.microsoft.com/office/drawing/2014/main" id="{C4AAB51D-4141-4682-9375-DAFD5FB9DD10}"/>
               </a:ext>
             </a:extLst>
           </p:cNvPr>
@@ -9921,7 +9921,7 @@
           <p:cNvPr id="11" name="Triangle 10">
             <a:extLst>
               <a:ext uri="{FF2B5EF4-FFF2-40B4-BE49-F238E27FC236}">
-                <a16:creationId xmlns:a16="http://schemas.microsoft.com/office/drawing/2014/main" xmlns="" id="{6FFCA020-4282-7D4F-AD59-3DEA5E91ADAB}"/>
+                <a16:creationId xmlns:a16="http://schemas.microsoft.com/office/drawing/2014/main" id="{6FFCA020-4282-7D4F-AD59-3DEA5E91ADAB}"/>
               </a:ext>
             </a:extLst>
           </p:cNvPr>
@@ -9973,7 +9973,7 @@
           <p:cNvPr id="12" name="Triangle 11">
             <a:extLst>
               <a:ext uri="{FF2B5EF4-FFF2-40B4-BE49-F238E27FC236}">
-                <a16:creationId xmlns:a16="http://schemas.microsoft.com/office/drawing/2014/main" xmlns="" id="{653A8DFA-7BAB-7F45-AC35-E4D26BDBC78A}"/>
+                <a16:creationId xmlns:a16="http://schemas.microsoft.com/office/drawing/2014/main" id="{653A8DFA-7BAB-7F45-AC35-E4D26BDBC78A}"/>
               </a:ext>
             </a:extLst>
           </p:cNvPr>
@@ -10025,7 +10025,7 @@
           <p:cNvPr id="16" name="Content Placeholder 2">
             <a:extLst>
               <a:ext uri="{FF2B5EF4-FFF2-40B4-BE49-F238E27FC236}">
-                <a16:creationId xmlns:a16="http://schemas.microsoft.com/office/drawing/2014/main" xmlns="" id="{913F7CD6-7F0D-1C4F-AE97-8E76514EED57}"/>
+                <a16:creationId xmlns:a16="http://schemas.microsoft.com/office/drawing/2014/main" id="{913F7CD6-7F0D-1C4F-AE97-8E76514EED57}"/>
               </a:ext>
             </a:extLst>
           </p:cNvPr>
@@ -10149,7 +10149,7 @@
           <p:cNvPr id="17" name="Title 9">
             <a:extLst>
               <a:ext uri="{FF2B5EF4-FFF2-40B4-BE49-F238E27FC236}">
-                <a16:creationId xmlns:a16="http://schemas.microsoft.com/office/drawing/2014/main" xmlns="" id="{FC3934F6-C727-0048-AD31-76E16E779680}"/>
+                <a16:creationId xmlns:a16="http://schemas.microsoft.com/office/drawing/2014/main" id="{FC3934F6-C727-0048-AD31-76E16E779680}"/>
               </a:ext>
             </a:extLst>
           </p:cNvPr>
@@ -10229,7 +10229,7 @@
           <p:cNvPr id="13" name="Rectangle 12">
             <a:extLst>
               <a:ext uri="{FF2B5EF4-FFF2-40B4-BE49-F238E27FC236}">
-                <a16:creationId xmlns:a16="http://schemas.microsoft.com/office/drawing/2014/main" xmlns="" id="{97418687-D621-0443-9593-F546524940B3}"/>
+                <a16:creationId xmlns:a16="http://schemas.microsoft.com/office/drawing/2014/main" id="{97418687-D621-0443-9593-F546524940B3}"/>
               </a:ext>
             </a:extLst>
           </p:cNvPr>
@@ -10281,7 +10281,7 @@
           <p:cNvPr id="7" name="Date Placeholder 6">
             <a:extLst>
               <a:ext uri="{FF2B5EF4-FFF2-40B4-BE49-F238E27FC236}">
-                <a16:creationId xmlns:a16="http://schemas.microsoft.com/office/drawing/2014/main" xmlns="" id="{354D8B55-9EA8-4B81-8E84-9B93B0A27559}"/>
+                <a16:creationId xmlns:a16="http://schemas.microsoft.com/office/drawing/2014/main" id="{354D8B55-9EA8-4B81-8E84-9B93B0A27559}"/>
               </a:ext>
             </a:extLst>
           </p:cNvPr>
@@ -10299,7 +10299,7 @@
           <a:p>
             <a:fld id="{4BE1D723-8F53-4F53-90B0-1982A396982E}" type="datetime1">
               <a:rPr lang="en-US" smtClean="0"/>
-              <a:t>4/26/2021</a:t>
+              <a:t>4/28/2021</a:t>
             </a:fld>
             <a:endParaRPr lang="en-US" dirty="0"/>
           </a:p>
@@ -10310,7 +10310,7 @@
           <p:cNvPr id="8" name="Footer Placeholder 7">
             <a:extLst>
               <a:ext uri="{FF2B5EF4-FFF2-40B4-BE49-F238E27FC236}">
-                <a16:creationId xmlns:a16="http://schemas.microsoft.com/office/drawing/2014/main" xmlns="" id="{062CA021-2578-47CB-822C-BDDFF7223B28}"/>
+                <a16:creationId xmlns:a16="http://schemas.microsoft.com/office/drawing/2014/main" id="{062CA021-2578-47CB-822C-BDDFF7223B28}"/>
               </a:ext>
             </a:extLst>
           </p:cNvPr>
@@ -10335,7 +10335,7 @@
           <p:cNvPr id="9" name="Slide Number Placeholder 8">
             <a:extLst>
               <a:ext uri="{FF2B5EF4-FFF2-40B4-BE49-F238E27FC236}">
-                <a16:creationId xmlns:a16="http://schemas.microsoft.com/office/drawing/2014/main" xmlns="" id="{C4AAB51D-4141-4682-9375-DAFD5FB9DD10}"/>
+                <a16:creationId xmlns:a16="http://schemas.microsoft.com/office/drawing/2014/main" id="{C4AAB51D-4141-4682-9375-DAFD5FB9DD10}"/>
               </a:ext>
             </a:extLst>
           </p:cNvPr>
@@ -10364,7 +10364,7 @@
           <p:cNvPr id="11" name="Triangle 10">
             <a:extLst>
               <a:ext uri="{FF2B5EF4-FFF2-40B4-BE49-F238E27FC236}">
-                <a16:creationId xmlns:a16="http://schemas.microsoft.com/office/drawing/2014/main" xmlns="" id="{6FFCA020-4282-7D4F-AD59-3DEA5E91ADAB}"/>
+                <a16:creationId xmlns:a16="http://schemas.microsoft.com/office/drawing/2014/main" id="{6FFCA020-4282-7D4F-AD59-3DEA5E91ADAB}"/>
               </a:ext>
             </a:extLst>
           </p:cNvPr>
@@ -10416,7 +10416,7 @@
           <p:cNvPr id="12" name="Triangle 11">
             <a:extLst>
               <a:ext uri="{FF2B5EF4-FFF2-40B4-BE49-F238E27FC236}">
-                <a16:creationId xmlns:a16="http://schemas.microsoft.com/office/drawing/2014/main" xmlns="" id="{653A8DFA-7BAB-7F45-AC35-E4D26BDBC78A}"/>
+                <a16:creationId xmlns:a16="http://schemas.microsoft.com/office/drawing/2014/main" id="{653A8DFA-7BAB-7F45-AC35-E4D26BDBC78A}"/>
               </a:ext>
             </a:extLst>
           </p:cNvPr>
@@ -10468,7 +10468,7 @@
           <p:cNvPr id="17" name="Title 9">
             <a:extLst>
               <a:ext uri="{FF2B5EF4-FFF2-40B4-BE49-F238E27FC236}">
-                <a16:creationId xmlns:a16="http://schemas.microsoft.com/office/drawing/2014/main" xmlns="" id="{FC3934F6-C727-0048-AD31-76E16E779680}"/>
+                <a16:creationId xmlns:a16="http://schemas.microsoft.com/office/drawing/2014/main" id="{FC3934F6-C727-0048-AD31-76E16E779680}"/>
               </a:ext>
             </a:extLst>
           </p:cNvPr>
@@ -10548,7 +10548,7 @@
           <p:cNvPr id="25" name="Rectangle 24">
             <a:extLst>
               <a:ext uri="{FF2B5EF4-FFF2-40B4-BE49-F238E27FC236}">
-                <a16:creationId xmlns:a16="http://schemas.microsoft.com/office/drawing/2014/main" xmlns="" id="{298B14A3-A5A4-2F4A-95D8-651E4818BB24}"/>
+                <a16:creationId xmlns:a16="http://schemas.microsoft.com/office/drawing/2014/main" id="{298B14A3-A5A4-2F4A-95D8-651E4818BB24}"/>
               </a:ext>
             </a:extLst>
           </p:cNvPr>
@@ -10600,7 +10600,7 @@
           <p:cNvPr id="26" name="Triangle 25">
             <a:extLst>
               <a:ext uri="{FF2B5EF4-FFF2-40B4-BE49-F238E27FC236}">
-                <a16:creationId xmlns:a16="http://schemas.microsoft.com/office/drawing/2014/main" xmlns="" id="{FA21A50F-6662-5046-B75A-1261DC14ABFA}"/>
+                <a16:creationId xmlns:a16="http://schemas.microsoft.com/office/drawing/2014/main" id="{FA21A50F-6662-5046-B75A-1261DC14ABFA}"/>
               </a:ext>
             </a:extLst>
           </p:cNvPr>
@@ -10652,7 +10652,7 @@
           <p:cNvPr id="13" name="Group 12">
             <a:extLst>
               <a:ext uri="{FF2B5EF4-FFF2-40B4-BE49-F238E27FC236}">
-                <a16:creationId xmlns:a16="http://schemas.microsoft.com/office/drawing/2014/main" xmlns="" id="{2FDC47F2-EE1F-4644-989A-72996AC94A96}"/>
+                <a16:creationId xmlns:a16="http://schemas.microsoft.com/office/drawing/2014/main" id="{2FDC47F2-EE1F-4644-989A-72996AC94A96}"/>
               </a:ext>
             </a:extLst>
           </p:cNvPr>
@@ -10672,7 +10672,7 @@
             <p:cNvPr id="14" name="Rectangle 13">
               <a:extLst>
                 <a:ext uri="{FF2B5EF4-FFF2-40B4-BE49-F238E27FC236}">
-                  <a16:creationId xmlns:a16="http://schemas.microsoft.com/office/drawing/2014/main" xmlns="" id="{386ED203-5311-5B45-870D-8D058E718B91}"/>
+                  <a16:creationId xmlns:a16="http://schemas.microsoft.com/office/drawing/2014/main" id="{386ED203-5311-5B45-870D-8D058E718B91}"/>
                 </a:ext>
               </a:extLst>
             </p:cNvPr>
@@ -10724,7 +10724,7 @@
             <p:cNvPr id="15" name="Triangle 14">
               <a:extLst>
                 <a:ext uri="{FF2B5EF4-FFF2-40B4-BE49-F238E27FC236}">
-                  <a16:creationId xmlns:a16="http://schemas.microsoft.com/office/drawing/2014/main" xmlns="" id="{DE2C0F56-426C-5F4D-AAFD-DF53CA60DB1F}"/>
+                  <a16:creationId xmlns:a16="http://schemas.microsoft.com/office/drawing/2014/main" id="{DE2C0F56-426C-5F4D-AAFD-DF53CA60DB1F}"/>
                 </a:ext>
               </a:extLst>
             </p:cNvPr>
@@ -10907,7 +10907,7 @@
           <p:cNvPr id="2" name="Date Placeholder 1">
             <a:extLst>
               <a:ext uri="{FF2B5EF4-FFF2-40B4-BE49-F238E27FC236}">
-                <a16:creationId xmlns:a16="http://schemas.microsoft.com/office/drawing/2014/main" xmlns="" id="{8AF8A515-AA94-45D1-9223-5C2272618D85}"/>
+                <a16:creationId xmlns:a16="http://schemas.microsoft.com/office/drawing/2014/main" id="{8AF8A515-AA94-45D1-9223-5C2272618D85}"/>
               </a:ext>
             </a:extLst>
           </p:cNvPr>
@@ -10925,7 +10925,7 @@
           <a:p>
             <a:fld id="{D9DF0F1C-5577-4ACB-BB62-DF8F3C494C7E}" type="datetime1">
               <a:rPr lang="en-US" smtClean="0"/>
-              <a:t>4/26/2021</a:t>
+              <a:t>4/28/2021</a:t>
             </a:fld>
             <a:endParaRPr lang="en-US" dirty="0"/>
           </a:p>
@@ -10936,7 +10936,7 @@
           <p:cNvPr id="11" name="Footer Placeholder 10">
             <a:extLst>
               <a:ext uri="{FF2B5EF4-FFF2-40B4-BE49-F238E27FC236}">
-                <a16:creationId xmlns:a16="http://schemas.microsoft.com/office/drawing/2014/main" xmlns="" id="{D052F5BC-98E0-4D60-AD67-9547738B7DD4}"/>
+                <a16:creationId xmlns:a16="http://schemas.microsoft.com/office/drawing/2014/main" id="{D052F5BC-98E0-4D60-AD67-9547738B7DD4}"/>
               </a:ext>
             </a:extLst>
           </p:cNvPr>
@@ -10966,7 +10966,7 @@
           <p:cNvPr id="12" name="Slide Number Placeholder 11">
             <a:extLst>
               <a:ext uri="{FF2B5EF4-FFF2-40B4-BE49-F238E27FC236}">
-                <a16:creationId xmlns:a16="http://schemas.microsoft.com/office/drawing/2014/main" xmlns="" id="{A38552DC-952E-41EA-AAAF-C2187523C0B0}"/>
+                <a16:creationId xmlns:a16="http://schemas.microsoft.com/office/drawing/2014/main" id="{A38552DC-952E-41EA-AAAF-C2187523C0B0}"/>
               </a:ext>
             </a:extLst>
           </p:cNvPr>
@@ -10995,7 +10995,7 @@
           <p:cNvPr id="19" name="Group 18">
             <a:extLst>
               <a:ext uri="{FF2B5EF4-FFF2-40B4-BE49-F238E27FC236}">
-                <a16:creationId xmlns:a16="http://schemas.microsoft.com/office/drawing/2014/main" xmlns="" id="{0EC9B82D-42A0-2549-AF1A-BB955578D14E}"/>
+                <a16:creationId xmlns:a16="http://schemas.microsoft.com/office/drawing/2014/main" id="{0EC9B82D-42A0-2549-AF1A-BB955578D14E}"/>
               </a:ext>
             </a:extLst>
           </p:cNvPr>
@@ -11015,7 +11015,7 @@
             <p:cNvPr id="20" name="Rectangle 19">
               <a:extLst>
                 <a:ext uri="{FF2B5EF4-FFF2-40B4-BE49-F238E27FC236}">
-                  <a16:creationId xmlns:a16="http://schemas.microsoft.com/office/drawing/2014/main" xmlns="" id="{6F986011-7709-A448-BC93-37507571BAF8}"/>
+                  <a16:creationId xmlns:a16="http://schemas.microsoft.com/office/drawing/2014/main" id="{6F986011-7709-A448-BC93-37507571BAF8}"/>
                 </a:ext>
               </a:extLst>
             </p:cNvPr>
@@ -11067,7 +11067,7 @@
             <p:cNvPr id="21" name="Triangle 20">
               <a:extLst>
                 <a:ext uri="{FF2B5EF4-FFF2-40B4-BE49-F238E27FC236}">
-                  <a16:creationId xmlns:a16="http://schemas.microsoft.com/office/drawing/2014/main" xmlns="" id="{97EFE62B-D2C4-6147-8593-BDB17D7FB781}"/>
+                  <a16:creationId xmlns:a16="http://schemas.microsoft.com/office/drawing/2014/main" id="{97EFE62B-D2C4-6147-8593-BDB17D7FB781}"/>
                 </a:ext>
               </a:extLst>
             </p:cNvPr>
@@ -11122,7 +11122,7 @@
           <p:cNvPr id="22" name="Text Placeholder 2">
             <a:extLst>
               <a:ext uri="{FF2B5EF4-FFF2-40B4-BE49-F238E27FC236}">
-                <a16:creationId xmlns:a16="http://schemas.microsoft.com/office/drawing/2014/main" xmlns="" id="{A343E295-0EB5-2B45-8B07-FB33A0D549D9}"/>
+                <a16:creationId xmlns:a16="http://schemas.microsoft.com/office/drawing/2014/main" id="{A343E295-0EB5-2B45-8B07-FB33A0D549D9}"/>
               </a:ext>
             </a:extLst>
           </p:cNvPr>
@@ -11199,7 +11199,7 @@
           <p:cNvPr id="23" name="Content Placeholder 3">
             <a:extLst>
               <a:ext uri="{FF2B5EF4-FFF2-40B4-BE49-F238E27FC236}">
-                <a16:creationId xmlns:a16="http://schemas.microsoft.com/office/drawing/2014/main" xmlns="" id="{86411A82-4B2C-2345-940D-003FAE95661B}"/>
+                <a16:creationId xmlns:a16="http://schemas.microsoft.com/office/drawing/2014/main" id="{86411A82-4B2C-2345-940D-003FAE95661B}"/>
               </a:ext>
             </a:extLst>
           </p:cNvPr>
@@ -11262,7 +11262,7 @@
           <p:cNvPr id="9" name="Straight Connector 8">
             <a:extLst>
               <a:ext uri="{FF2B5EF4-FFF2-40B4-BE49-F238E27FC236}">
-                <a16:creationId xmlns:a16="http://schemas.microsoft.com/office/drawing/2014/main" xmlns="" id="{E81638DF-1560-0147-9FCE-648610243627}"/>
+                <a16:creationId xmlns:a16="http://schemas.microsoft.com/office/drawing/2014/main" id="{E81638DF-1560-0147-9FCE-648610243627}"/>
               </a:ext>
             </a:extLst>
           </p:cNvPr>
@@ -11301,7 +11301,7 @@
           <p:cNvPr id="27" name="Title 9">
             <a:extLst>
               <a:ext uri="{FF2B5EF4-FFF2-40B4-BE49-F238E27FC236}">
-                <a16:creationId xmlns:a16="http://schemas.microsoft.com/office/drawing/2014/main" xmlns="" id="{6500C466-2C7C-0F41-ADF8-F36158F8BCB7}"/>
+                <a16:creationId xmlns:a16="http://schemas.microsoft.com/office/drawing/2014/main" id="{6500C466-2C7C-0F41-ADF8-F36158F8BCB7}"/>
               </a:ext>
             </a:extLst>
           </p:cNvPr>
@@ -11373,7 +11373,7 @@
           <p:cNvPr id="2" name="Date Placeholder 1">
             <a:extLst>
               <a:ext uri="{FF2B5EF4-FFF2-40B4-BE49-F238E27FC236}">
-                <a16:creationId xmlns:a16="http://schemas.microsoft.com/office/drawing/2014/main" xmlns="" id="{94E9223F-721F-47BF-9FD5-0F8D12FF0DE1}"/>
+                <a16:creationId xmlns:a16="http://schemas.microsoft.com/office/drawing/2014/main" id="{94E9223F-721F-47BF-9FD5-0F8D12FF0DE1}"/>
               </a:ext>
             </a:extLst>
           </p:cNvPr>
@@ -11391,7 +11391,7 @@
           <a:p>
             <a:fld id="{39667345-2558-425A-8533-9BFDBCE15005}" type="datetime1">
               <a:rPr lang="en-US" smtClean="0"/>
-              <a:t>4/26/2021</a:t>
+              <a:t>4/28/2021</a:t>
             </a:fld>
             <a:endParaRPr lang="en-US" dirty="0"/>
           </a:p>
@@ -11402,7 +11402,7 @@
           <p:cNvPr id="3" name="Footer Placeholder 2">
             <a:extLst>
               <a:ext uri="{FF2B5EF4-FFF2-40B4-BE49-F238E27FC236}">
-                <a16:creationId xmlns:a16="http://schemas.microsoft.com/office/drawing/2014/main" xmlns="" id="{05915714-6BBA-4593-8591-4E26F7D58D9F}"/>
+                <a16:creationId xmlns:a16="http://schemas.microsoft.com/office/drawing/2014/main" id="{05915714-6BBA-4593-8591-4E26F7D58D9F}"/>
               </a:ext>
             </a:extLst>
           </p:cNvPr>
@@ -11427,7 +11427,7 @@
           <p:cNvPr id="4" name="Slide Number Placeholder 3">
             <a:extLst>
               <a:ext uri="{FF2B5EF4-FFF2-40B4-BE49-F238E27FC236}">
-                <a16:creationId xmlns:a16="http://schemas.microsoft.com/office/drawing/2014/main" xmlns="" id="{BE06F857-D2E1-44DD-ABDD-EBB739645B67}"/>
+                <a16:creationId xmlns:a16="http://schemas.microsoft.com/office/drawing/2014/main" id="{BE06F857-D2E1-44DD-ABDD-EBB739645B67}"/>
               </a:ext>
             </a:extLst>
           </p:cNvPr>
@@ -11456,7 +11456,7 @@
           <p:cNvPr id="5" name="Rectangle 4">
             <a:extLst>
               <a:ext uri="{FF2B5EF4-FFF2-40B4-BE49-F238E27FC236}">
-                <a16:creationId xmlns:a16="http://schemas.microsoft.com/office/drawing/2014/main" xmlns="" id="{95E5791F-3F71-BF44-BA4E-0B7D386184DC}"/>
+                <a16:creationId xmlns:a16="http://schemas.microsoft.com/office/drawing/2014/main" id="{95E5791F-3F71-BF44-BA4E-0B7D386184DC}"/>
               </a:ext>
             </a:extLst>
           </p:cNvPr>
@@ -11508,7 +11508,7 @@
           <p:cNvPr id="7" name="Triangle 6">
             <a:extLst>
               <a:ext uri="{FF2B5EF4-FFF2-40B4-BE49-F238E27FC236}">
-                <a16:creationId xmlns:a16="http://schemas.microsoft.com/office/drawing/2014/main" xmlns="" id="{19AE2E01-52D8-994A-80AC-622260011952}"/>
+                <a16:creationId xmlns:a16="http://schemas.microsoft.com/office/drawing/2014/main" id="{19AE2E01-52D8-994A-80AC-622260011952}"/>
               </a:ext>
             </a:extLst>
           </p:cNvPr>
@@ -11560,7 +11560,7 @@
           <p:cNvPr id="8" name="Triangle 7">
             <a:extLst>
               <a:ext uri="{FF2B5EF4-FFF2-40B4-BE49-F238E27FC236}">
-                <a16:creationId xmlns:a16="http://schemas.microsoft.com/office/drawing/2014/main" xmlns="" id="{B8F16C36-FC88-9044-8303-4AAB2C148BA5}"/>
+                <a16:creationId xmlns:a16="http://schemas.microsoft.com/office/drawing/2014/main" id="{B8F16C36-FC88-9044-8303-4AAB2C148BA5}"/>
               </a:ext>
             </a:extLst>
           </p:cNvPr>
@@ -11617,7 +11617,7 @@
           <p:cNvPr id="15" name="Picture Placeholder 14">
             <a:extLst>
               <a:ext uri="{FF2B5EF4-FFF2-40B4-BE49-F238E27FC236}">
-                <a16:creationId xmlns:a16="http://schemas.microsoft.com/office/drawing/2014/main" xmlns="" id="{7DA0D001-BFE9-164E-A088-53FE53ABF519}"/>
+                <a16:creationId xmlns:a16="http://schemas.microsoft.com/office/drawing/2014/main" id="{7DA0D001-BFE9-164E-A088-53FE53ABF519}"/>
               </a:ext>
             </a:extLst>
           </p:cNvPr>
@@ -11768,7 +11768,7 @@
           <p:cNvPr id="16" name="Title 1">
             <a:extLst>
               <a:ext uri="{FF2B5EF4-FFF2-40B4-BE49-F238E27FC236}">
-                <a16:creationId xmlns:a16="http://schemas.microsoft.com/office/drawing/2014/main" xmlns="" id="{810C3D4C-012F-184D-B7D5-E89B7B9A726E}"/>
+                <a16:creationId xmlns:a16="http://schemas.microsoft.com/office/drawing/2014/main" id="{810C3D4C-012F-184D-B7D5-E89B7B9A726E}"/>
               </a:ext>
             </a:extLst>
           </p:cNvPr>
@@ -11811,7 +11811,7 @@
           <p:cNvPr id="17" name="Text Placeholder 11">
             <a:extLst>
               <a:ext uri="{FF2B5EF4-FFF2-40B4-BE49-F238E27FC236}">
-                <a16:creationId xmlns:a16="http://schemas.microsoft.com/office/drawing/2014/main" xmlns="" id="{D16862ED-2F5E-FE49-AB49-49CEC0EA332A}"/>
+                <a16:creationId xmlns:a16="http://schemas.microsoft.com/office/drawing/2014/main" id="{D16862ED-2F5E-FE49-AB49-49CEC0EA332A}"/>
               </a:ext>
             </a:extLst>
           </p:cNvPr>
@@ -12067,7 +12067,7 @@
           <a:p>
             <a:fld id="{62D6E202-B606-4609-B914-27C9371A1F6D}" type="datetime1">
               <a:rPr lang="en-US" smtClean="0"/>
-              <a:t>4/26/2021</a:t>
+              <a:t>4/28/2021</a:t>
             </a:fld>
             <a:endParaRPr lang="en-US" dirty="0"/>
           </a:p>
@@ -12555,7 +12555,7 @@
           <p:cNvPr id="5" name="Title 4">
             <a:extLst>
               <a:ext uri="{FF2B5EF4-FFF2-40B4-BE49-F238E27FC236}">
-                <a16:creationId xmlns:a16="http://schemas.microsoft.com/office/drawing/2014/main" xmlns="" id="{1E7C09F3-1BE8-0445-A3C4-9C100D32B8D9}"/>
+                <a16:creationId xmlns:a16="http://schemas.microsoft.com/office/drawing/2014/main" id="{1E7C09F3-1BE8-0445-A3C4-9C100D32B8D9}"/>
               </a:ext>
             </a:extLst>
           </p:cNvPr>
@@ -12589,7 +12589,7 @@
           <p:cNvPr id="6" name="Subtitle 5">
             <a:extLst>
               <a:ext uri="{FF2B5EF4-FFF2-40B4-BE49-F238E27FC236}">
-                <a16:creationId xmlns:a16="http://schemas.microsoft.com/office/drawing/2014/main" xmlns="" id="{C770EE27-FD77-894D-9D88-F5A548E1DCAF}"/>
+                <a16:creationId xmlns:a16="http://schemas.microsoft.com/office/drawing/2014/main" id="{C770EE27-FD77-894D-9D88-F5A548E1DCAF}"/>
               </a:ext>
             </a:extLst>
           </p:cNvPr>
@@ -12689,7 +12689,7 @@
           <p:cNvPr id="9" name="Title 8">
             <a:extLst>
               <a:ext uri="{FF2B5EF4-FFF2-40B4-BE49-F238E27FC236}">
-                <a16:creationId xmlns:a16="http://schemas.microsoft.com/office/drawing/2014/main" xmlns="" id="{2D7F6A80-08DF-8645-A4CD-7D0B49A3BF79}"/>
+                <a16:creationId xmlns:a16="http://schemas.microsoft.com/office/drawing/2014/main" id="{2D7F6A80-08DF-8645-A4CD-7D0B49A3BF79}"/>
               </a:ext>
             </a:extLst>
           </p:cNvPr>
@@ -12723,7 +12723,7 @@
           <p:cNvPr id="10" name="Content Placeholder 9">
             <a:extLst>
               <a:ext uri="{FF2B5EF4-FFF2-40B4-BE49-F238E27FC236}">
-                <a16:creationId xmlns:a16="http://schemas.microsoft.com/office/drawing/2014/main" xmlns="" id="{5613A2D6-52A2-8C4D-985E-CB4BEE6B29BD}"/>
+                <a16:creationId xmlns:a16="http://schemas.microsoft.com/office/drawing/2014/main" id="{5613A2D6-52A2-8C4D-985E-CB4BEE6B29BD}"/>
               </a:ext>
             </a:extLst>
           </p:cNvPr>
@@ -12886,7 +12886,7 @@
           <p:cNvPr id="8" name="Content Placeholder 5">
             <a:extLst>
               <a:ext uri="{FF2B5EF4-FFF2-40B4-BE49-F238E27FC236}">
-                <a16:creationId xmlns:a16="http://schemas.microsoft.com/office/drawing/2014/main" xmlns="" id="{2DB43733-30CE-AC40-BAAC-BE6530B8EE04}"/>
+                <a16:creationId xmlns:a16="http://schemas.microsoft.com/office/drawing/2014/main" id="{2DB43733-30CE-AC40-BAAC-BE6530B8EE04}"/>
               </a:ext>
             </a:extLst>
           </p:cNvPr>
@@ -13332,7 +13332,7 @@
           <p:cNvPr id="2" name="Title 1">
             <a:extLst>
               <a:ext uri="{FF2B5EF4-FFF2-40B4-BE49-F238E27FC236}">
-                <a16:creationId xmlns:a16="http://schemas.microsoft.com/office/drawing/2014/main" xmlns="" id="{B378B98D-A943-4557-A450-06FD1E297F9C}"/>
+                <a16:creationId xmlns:a16="http://schemas.microsoft.com/office/drawing/2014/main" id="{B378B98D-A943-4557-A450-06FD1E297F9C}"/>
               </a:ext>
             </a:extLst>
           </p:cNvPr>
@@ -13427,7 +13427,7 @@
           <p:cNvPr id="3" name="Content Placeholder 3" descr="SmartArt Placeholder - Block List">
             <a:extLst>
               <a:ext uri="{FF2B5EF4-FFF2-40B4-BE49-F238E27FC236}">
-                <a16:creationId xmlns:a16="http://schemas.microsoft.com/office/drawing/2014/main" xmlns="" id="{F56E9CB7-A5E6-479F-A6C4-A480D06B974D}"/>
+                <a16:creationId xmlns:a16="http://schemas.microsoft.com/office/drawing/2014/main" id="{F56E9CB7-A5E6-479F-A6C4-A480D06B974D}"/>
               </a:ext>
             </a:extLst>
           </p:cNvPr>
@@ -13457,7 +13457,7 @@
           <p:cNvPr id="6" name="Title 5">
             <a:extLst>
               <a:ext uri="{FF2B5EF4-FFF2-40B4-BE49-F238E27FC236}">
-                <a16:creationId xmlns:a16="http://schemas.microsoft.com/office/drawing/2014/main" xmlns="" id="{66CBFE42-DFD1-4945-A9A4-5544D38C9B7E}"/>
+                <a16:creationId xmlns:a16="http://schemas.microsoft.com/office/drawing/2014/main" id="{66CBFE42-DFD1-4945-A9A4-5544D38C9B7E}"/>
               </a:ext>
             </a:extLst>
           </p:cNvPr>
@@ -13827,9 +13827,53 @@
           <a:chExt cx="0" cy="0"/>
         </a:xfrm>
       </p:grpSpPr>
+      <p:sp>
+        <p:nvSpPr>
+          <p:cNvPr id="2" name="Title 1">
+            <a:extLst>
+              <a:ext uri="{FF2B5EF4-FFF2-40B4-BE49-F238E27FC236}">
+                <a16:creationId xmlns:a16="http://schemas.microsoft.com/office/drawing/2014/main" id="{F2A115AC-F6DD-4765-9553-9296098AFACF}"/>
+              </a:ext>
+            </a:extLst>
+          </p:cNvPr>
+          <p:cNvSpPr>
+            <a:spLocks noGrp="1"/>
+          </p:cNvSpPr>
+          <p:nvPr>
+            <p:ph type="title"/>
+          </p:nvPr>
+        </p:nvSpPr>
+        <p:spPr>
+          <a:xfrm>
+            <a:off x="932329" y="684493"/>
+            <a:ext cx="10452849" cy="910492"/>
+          </a:xfrm>
+        </p:spPr>
+        <p:txBody>
+          <a:bodyPr anchor="ctr">
+            <a:normAutofit/>
+          </a:bodyPr>
+          <a:lstStyle/>
+          <a:p>
+            <a:r>
+              <a:rPr lang="en-US" sz="3200" dirty="0" smtClean="0">
+                <a:solidFill>
+                  <a:srgbClr val="FFFEFF"/>
+                </a:solidFill>
+              </a:rPr>
+              <a:t>Teamwork</a:t>
+            </a:r>
+            <a:endParaRPr lang="en-US" sz="3200" dirty="0">
+              <a:solidFill>
+                <a:srgbClr val="FFFEFF"/>
+              </a:solidFill>
+            </a:endParaRPr>
+          </a:p>
+        </p:txBody>
+      </p:sp>
       <p:graphicFrame>
         <p:nvGraphicFramePr>
-          <p:cNvPr id="4" name="Content Placeholder 3"/>
+          <p:cNvPr id="5" name="Content Placeholder 4"/>
           <p:cNvGraphicFramePr>
             <a:graphicFrameLocks noGrp="1"/>
           </p:cNvGraphicFramePr>
@@ -13837,14 +13881,14 @@
             <p:ph idx="1"/>
             <p:extLst>
               <p:ext uri="{D42A27DB-BD31-4B8C-83A1-F6EECF244321}">
-                <p14:modId xmlns:p14="http://schemas.microsoft.com/office/powerpoint/2010/main" val="4184743637"/>
+                <p14:modId xmlns:p14="http://schemas.microsoft.com/office/powerpoint/2010/main" val="3056939423"/>
               </p:ext>
             </p:extLst>
           </p:nvPr>
         </p:nvGraphicFramePr>
         <p:xfrm>
-          <a:off x="931490" y="1594985"/>
-          <a:ext cx="10453688" cy="4326840"/>
+          <a:off x="932329" y="1464356"/>
+          <a:ext cx="10232900" cy="4622940"/>
         </p:xfrm>
         <a:graphic>
           <a:graphicData uri="http://schemas.openxmlformats.org/drawingml/2006/table">
@@ -13853,22 +13897,22 @@
                 <a:tableStyleId>{073A0DAA-6AF3-43AB-8588-CEC1D06C72B9}</a:tableStyleId>
               </a:tblPr>
               <a:tblGrid>
-                <a:gridCol w="5226844">
+                <a:gridCol w="5116450">
                   <a:extLst>
                     <a:ext uri="{9D8B030D-6E8A-4147-A177-3AD203B41FA5}">
-                      <a16:colId xmlns:a16="http://schemas.microsoft.com/office/drawing/2014/main" xmlns="" val="4143631606"/>
+                      <a16:colId xmlns:a16="http://schemas.microsoft.com/office/drawing/2014/main" val="3320419972"/>
                     </a:ext>
                   </a:extLst>
                 </a:gridCol>
-                <a:gridCol w="5226844">
+                <a:gridCol w="5116450">
                   <a:extLst>
                     <a:ext uri="{9D8B030D-6E8A-4147-A177-3AD203B41FA5}">
-                      <a16:colId xmlns:a16="http://schemas.microsoft.com/office/drawing/2014/main" xmlns="" val="4113104437"/>
+                      <a16:colId xmlns:a16="http://schemas.microsoft.com/office/drawing/2014/main" val="2658945414"/>
                     </a:ext>
                   </a:extLst>
                 </a:gridCol>
               </a:tblGrid>
-              <a:tr h="480760">
+              <a:tr h="462294">
                 <a:tc>
                   <a:txBody>
                     <a:bodyPr/>
@@ -13901,11 +13945,11 @@
                 </a:tc>
                 <a:extLst>
                   <a:ext uri="{0D108BD9-81ED-4DB2-BD59-A6C34878D82A}">
-                    <a16:rowId xmlns:a16="http://schemas.microsoft.com/office/drawing/2014/main" xmlns="" val="261248121"/>
+                    <a16:rowId xmlns:a16="http://schemas.microsoft.com/office/drawing/2014/main" val="3166865500"/>
                   </a:ext>
                 </a:extLst>
               </a:tr>
-              <a:tr h="480760">
+              <a:tr h="462294">
                 <a:tc>
                   <a:txBody>
                     <a:bodyPr/>
@@ -13930,12 +13974,8 @@
                     <a:lstStyle/>
                     <a:p>
                       <a:r>
-                        <a:rPr lang="en-IN" baseline="0" smtClean="0"/>
-                        <a:t> Shubh </a:t>
-                      </a:r>
-                      <a:r>
                         <a:rPr lang="en-IN" baseline="0" dirty="0" smtClean="0"/>
-                        <a:t>Gosalia</a:t>
+                        <a:t> Shubh Gosalia</a:t>
                       </a:r>
                       <a:endParaRPr lang="en-IN" dirty="0"/>
                     </a:p>
@@ -13944,11 +13984,11 @@
                 </a:tc>
                 <a:extLst>
                   <a:ext uri="{0D108BD9-81ED-4DB2-BD59-A6C34878D82A}">
-                    <a16:rowId xmlns:a16="http://schemas.microsoft.com/office/drawing/2014/main" xmlns="" val="3621181643"/>
+                    <a16:rowId xmlns:a16="http://schemas.microsoft.com/office/drawing/2014/main" val="3746536334"/>
                   </a:ext>
                 </a:extLst>
               </a:tr>
-              <a:tr h="480760">
+              <a:tr h="462294">
                 <a:tc>
                   <a:txBody>
                     <a:bodyPr/>
@@ -13983,11 +14023,11 @@
                 </a:tc>
                 <a:extLst>
                   <a:ext uri="{0D108BD9-81ED-4DB2-BD59-A6C34878D82A}">
-                    <a16:rowId xmlns:a16="http://schemas.microsoft.com/office/drawing/2014/main" xmlns="" val="15284670"/>
+                    <a16:rowId xmlns:a16="http://schemas.microsoft.com/office/drawing/2014/main" val="3187673600"/>
                   </a:ext>
                 </a:extLst>
               </a:tr>
-              <a:tr h="480760">
+              <a:tr h="462294">
                 <a:tc>
                   <a:txBody>
                     <a:bodyPr/>
@@ -14018,11 +14058,11 @@
                 </a:tc>
                 <a:extLst>
                   <a:ext uri="{0D108BD9-81ED-4DB2-BD59-A6C34878D82A}">
-                    <a16:rowId xmlns:a16="http://schemas.microsoft.com/office/drawing/2014/main" xmlns="" val="2366143725"/>
+                    <a16:rowId xmlns:a16="http://schemas.microsoft.com/office/drawing/2014/main" val="1519306256"/>
                   </a:ext>
                 </a:extLst>
               </a:tr>
-              <a:tr h="480760">
+              <a:tr h="462294">
                 <a:tc>
                   <a:txBody>
                     <a:bodyPr/>
@@ -14053,11 +14093,11 @@
                 </a:tc>
                 <a:extLst>
                   <a:ext uri="{0D108BD9-81ED-4DB2-BD59-A6C34878D82A}">
-                    <a16:rowId xmlns:a16="http://schemas.microsoft.com/office/drawing/2014/main" xmlns="" val="4224767662"/>
+                    <a16:rowId xmlns:a16="http://schemas.microsoft.com/office/drawing/2014/main" val="3809552624"/>
                   </a:ext>
                 </a:extLst>
               </a:tr>
-              <a:tr h="480760">
+              <a:tr h="462294">
                 <a:tc>
                   <a:txBody>
                     <a:bodyPr/>
@@ -14092,11 +14132,11 @@
                 </a:tc>
                 <a:extLst>
                   <a:ext uri="{0D108BD9-81ED-4DB2-BD59-A6C34878D82A}">
-                    <a16:rowId xmlns:a16="http://schemas.microsoft.com/office/drawing/2014/main" xmlns="" val="3627934133"/>
+                    <a16:rowId xmlns:a16="http://schemas.microsoft.com/office/drawing/2014/main" val="3871262675"/>
                   </a:ext>
                 </a:extLst>
               </a:tr>
-              <a:tr h="480760">
+              <a:tr h="462294">
                 <a:tc>
                   <a:txBody>
                     <a:bodyPr/>
@@ -14135,11 +14175,11 @@
                 </a:tc>
                 <a:extLst>
                   <a:ext uri="{0D108BD9-81ED-4DB2-BD59-A6C34878D82A}">
-                    <a16:rowId xmlns:a16="http://schemas.microsoft.com/office/drawing/2014/main" xmlns="" val="139070554"/>
+                    <a16:rowId xmlns:a16="http://schemas.microsoft.com/office/drawing/2014/main" val="2523931775"/>
                   </a:ext>
                 </a:extLst>
               </a:tr>
-              <a:tr h="480760">
+              <a:tr h="462294">
                 <a:tc>
                   <a:txBody>
                     <a:bodyPr/>
@@ -14161,11 +14201,15 @@
                     <a:p>
                       <a:r>
                         <a:rPr lang="en-IN" dirty="0" smtClean="0"/>
-                        <a:t>  </a:t>
+                        <a:t>  Meet </a:t>
                       </a:r>
                       <a:r>
-                        <a:rPr lang="en-IN" smtClean="0"/>
-                        <a:t>Meet Gajra, Shubh Gosalia</a:t>
+                        <a:rPr lang="en-IN" dirty="0" err="1" smtClean="0"/>
+                        <a:t>Gajra</a:t>
+                      </a:r>
+                      <a:r>
+                        <a:rPr lang="en-IN" dirty="0" smtClean="0"/>
+                        <a:t>, Shubh Gosalia</a:t>
                       </a:r>
                       <a:endParaRPr lang="en-IN" dirty="0"/>
                     </a:p>
@@ -14174,19 +14218,19 @@
                 </a:tc>
                 <a:extLst>
                   <a:ext uri="{0D108BD9-81ED-4DB2-BD59-A6C34878D82A}">
-                    <a16:rowId xmlns:a16="http://schemas.microsoft.com/office/drawing/2014/main" xmlns="" val="3363248027"/>
+                    <a16:rowId xmlns:a16="http://schemas.microsoft.com/office/drawing/2014/main" val="3818359563"/>
                   </a:ext>
                 </a:extLst>
               </a:tr>
-              <a:tr h="480760">
+              <a:tr h="462294">
                 <a:tc>
                   <a:txBody>
                     <a:bodyPr/>
                     <a:lstStyle/>
                     <a:p>
                       <a:r>
-                        <a:rPr lang="en-IN" smtClean="0"/>
-                        <a:t>  Bill Generation</a:t>
+                        <a:rPr lang="en-IN" dirty="0" smtClean="0"/>
+                        <a:t>  Add Rooms</a:t>
                       </a:r>
                       <a:endParaRPr lang="en-IN" dirty="0"/>
                     </a:p>
@@ -14208,15 +14252,7 @@
                       </a:r>
                       <a:r>
                         <a:rPr lang="en-IN" dirty="0" smtClean="0"/>
-                        <a:t>Meet </a:t>
-                      </a:r>
-                      <a:r>
-                        <a:rPr lang="en-IN" dirty="0" err="1" smtClean="0"/>
-                        <a:t>Gajra</a:t>
-                      </a:r>
-                      <a:r>
-                        <a:rPr lang="en-IN" dirty="0" smtClean="0"/>
-                        <a:t>, Shubh Gosalia</a:t>
+                        <a:t>Shubh Gosalia</a:t>
                       </a:r>
                       <a:endParaRPr lang="en-IN" dirty="0"/>
                     </a:p>
@@ -14225,7 +14261,46 @@
                 </a:tc>
                 <a:extLst>
                   <a:ext uri="{0D108BD9-81ED-4DB2-BD59-A6C34878D82A}">
-                    <a16:rowId xmlns:a16="http://schemas.microsoft.com/office/drawing/2014/main" xmlns="" val="3451714351"/>
+                    <a16:rowId xmlns:a16="http://schemas.microsoft.com/office/drawing/2014/main" val="1055140472"/>
+                  </a:ext>
+                </a:extLst>
+              </a:tr>
+              <a:tr h="462294">
+                <a:tc>
+                  <a:txBody>
+                    <a:bodyPr/>
+                    <a:lstStyle/>
+                    <a:p>
+                      <a:r>
+                        <a:rPr lang="en-US" dirty="0" smtClean="0"/>
+                        <a:t>  Bill Generation</a:t>
+                      </a:r>
+                      <a:endParaRPr lang="en-IN" dirty="0"/>
+                    </a:p>
+                  </a:txBody>
+                  <a:tcPr/>
+                </a:tc>
+                <a:tc>
+                  <a:txBody>
+                    <a:bodyPr/>
+                    <a:lstStyle/>
+                    <a:p>
+                      <a:r>
+                        <a:rPr lang="en-US" dirty="0" smtClean="0"/>
+                        <a:t>  Meet</a:t>
+                      </a:r>
+                      <a:r>
+                        <a:rPr lang="en-US" baseline="0" dirty="0" smtClean="0"/>
+                        <a:t> Gajra</a:t>
+                      </a:r>
+                      <a:endParaRPr lang="en-IN" dirty="0"/>
+                    </a:p>
+                  </a:txBody>
+                  <a:tcPr/>
+                </a:tc>
+                <a:extLst>
+                  <a:ext uri="{0D108BD9-81ED-4DB2-BD59-A6C34878D82A}">
+                    <a16:rowId xmlns:a16="http://schemas.microsoft.com/office/drawing/2014/main" val="3869276951"/>
                   </a:ext>
                 </a:extLst>
               </a:tr>
@@ -14233,50 +14308,6 @@
           </a:graphicData>
         </a:graphic>
       </p:graphicFrame>
-      <p:sp>
-        <p:nvSpPr>
-          <p:cNvPr id="2" name="Title 1">
-            <a:extLst>
-              <a:ext uri="{FF2B5EF4-FFF2-40B4-BE49-F238E27FC236}">
-                <a16:creationId xmlns:a16="http://schemas.microsoft.com/office/drawing/2014/main" xmlns="" id="{F2A115AC-F6DD-4765-9553-9296098AFACF}"/>
-              </a:ext>
-            </a:extLst>
-          </p:cNvPr>
-          <p:cNvSpPr>
-            <a:spLocks noGrp="1"/>
-          </p:cNvSpPr>
-          <p:nvPr>
-            <p:ph type="title"/>
-          </p:nvPr>
-        </p:nvSpPr>
-        <p:spPr>
-          <a:xfrm>
-            <a:off x="932329" y="684493"/>
-            <a:ext cx="10452849" cy="910492"/>
-          </a:xfrm>
-        </p:spPr>
-        <p:txBody>
-          <a:bodyPr anchor="ctr">
-            <a:normAutofit/>
-          </a:bodyPr>
-          <a:lstStyle/>
-          <a:p>
-            <a:r>
-              <a:rPr lang="en-US" sz="3200" dirty="0" smtClean="0">
-                <a:solidFill>
-                  <a:srgbClr val="FFFEFF"/>
-                </a:solidFill>
-              </a:rPr>
-              <a:t>Teamwork</a:t>
-            </a:r>
-            <a:endParaRPr lang="en-US" sz="3200" dirty="0">
-              <a:solidFill>
-                <a:srgbClr val="FFFEFF"/>
-              </a:solidFill>
-            </a:endParaRPr>
-          </a:p>
-        </p:txBody>
-      </p:sp>
     </p:spTree>
     <p:extLst>
       <p:ext uri="{BB962C8B-B14F-4D97-AF65-F5344CB8AC3E}">
@@ -14319,7 +14350,7 @@
           <p:cNvPr id="3" name="Title 2">
             <a:extLst>
               <a:ext uri="{FF2B5EF4-FFF2-40B4-BE49-F238E27FC236}">
-                <a16:creationId xmlns:a16="http://schemas.microsoft.com/office/drawing/2014/main" xmlns="" id="{14D9E47F-41E0-4FE3-891C-B53FBC82D7F3}"/>
+                <a16:creationId xmlns:a16="http://schemas.microsoft.com/office/drawing/2014/main" id="{14D9E47F-41E0-4FE3-891C-B53FBC82D7F3}"/>
               </a:ext>
             </a:extLst>
           </p:cNvPr>
@@ -15338,6 +15369,24 @@
 </file>
 
 <file path=customXml/item1.xml><?xml version="1.0" encoding="utf-8"?>
+<?mso-contentType ?>
+<FormTemplates xmlns="http://schemas.microsoft.com/sharepoint/v3/contenttype/forms">
+  <Display>DocumentLibraryForm</Display>
+  <Edit>DocumentLibraryForm</Edit>
+  <New>DocumentLibraryForm</New>
+</FormTemplates>
+</file>
+
+<file path=customXml/item2.xml><?xml version="1.0" encoding="utf-8"?>
+<p:properties xmlns:p="http://schemas.microsoft.com/office/2006/metadata/properties" xmlns:xsi="http://www.w3.org/2001/XMLSchema-instance" xmlns:pc="http://schemas.microsoft.com/office/infopath/2007/PartnerControls">
+  <documentManagement>
+    <Status xmlns="71af3243-3dd4-4a8d-8c0d-dd76da1f02a5">Not started</Status>
+    <MediaServiceKeyPoints xmlns="71af3243-3dd4-4a8d-8c0d-dd76da1f02a5" xsi:nil="true"/>
+  </documentManagement>
+</p:properties>
+</file>
+
+<file path=customXml/item3.xml><?xml version="1.0" encoding="utf-8"?>
 <ct:contentTypeSchema xmlns:ct="http://schemas.microsoft.com/office/2006/metadata/contentType" xmlns:ma="http://schemas.microsoft.com/office/2006/metadata/properties/metaAttributes" ct:_="" ma:_="" ma:contentTypeName="Document" ma:contentTypeID="0x01010079F111ED35F8CC479449609E8A0923A6" ma:contentTypeVersion="12" ma:contentTypeDescription="Create a new document." ma:contentTypeScope="" ma:versionID="fa6e671f1cd7e4d96ff9652be322dd5e">
   <xsd:schema xmlns:xsd="http://www.w3.org/2001/XMLSchema" xmlns:xs="http://www.w3.org/2001/XMLSchema" xmlns:p="http://schemas.microsoft.com/office/2006/metadata/properties" xmlns:ns2="71af3243-3dd4-4a8d-8c0d-dd76da1f02a5" xmlns:ns3="16c05727-aa75-4e4a-9b5f-8a80a1165891" targetNamespace="http://schemas.microsoft.com/office/2006/metadata/properties" ma:root="true" ma:fieldsID="4e2496f70b101db0b8013f30a071bbf7" ns2:_="" ns3:_="">
     <xsd:import namespace="71af3243-3dd4-4a8d-8c0d-dd76da1f02a5"/>
@@ -15558,25 +15607,32 @@
 </ct:contentTypeSchema>
 </file>
 
-<file path=customXml/item2.xml><?xml version="1.0" encoding="utf-8"?>
-<p:properties xmlns:p="http://schemas.microsoft.com/office/2006/metadata/properties" xmlns:xsi="http://www.w3.org/2001/XMLSchema-instance" xmlns:pc="http://schemas.microsoft.com/office/infopath/2007/PartnerControls">
-  <documentManagement>
-    <Status xmlns="71af3243-3dd4-4a8d-8c0d-dd76da1f02a5">Not started</Status>
-    <MediaServiceKeyPoints xmlns="71af3243-3dd4-4a8d-8c0d-dd76da1f02a5" xsi:nil="true"/>
-  </documentManagement>
-</p:properties>
+<file path=customXml/itemProps1.xml><?xml version="1.0" encoding="utf-8"?>
+<ds:datastoreItem xmlns:ds="http://schemas.openxmlformats.org/officeDocument/2006/customXml" ds:itemID="{9FEC6E52-ACE5-4D4A-8910-845222469474}">
+  <ds:schemaRefs>
+    <ds:schemaRef ds:uri="http://schemas.microsoft.com/sharepoint/v3/contenttype/forms"/>
+  </ds:schemaRefs>
+</ds:datastoreItem>
 </file>
 
-<file path=customXml/item3.xml><?xml version="1.0" encoding="utf-8"?>
-<?mso-contentType ?>
-<FormTemplates xmlns="http://schemas.microsoft.com/sharepoint/v3/contenttype/forms">
-  <Display>DocumentLibraryForm</Display>
-  <Edit>DocumentLibraryForm</Edit>
-  <New>DocumentLibraryForm</New>
-</FormTemplates>
+<file path=customXml/itemProps2.xml><?xml version="1.0" encoding="utf-8"?>
+<ds:datastoreItem xmlns:ds="http://schemas.openxmlformats.org/officeDocument/2006/customXml" ds:itemID="{C1B6A1C8-8283-4EE8-96CE-BB44EE9D7AD3}">
+  <ds:schemaRefs>
+    <ds:schemaRef ds:uri="71af3243-3dd4-4a8d-8c0d-dd76da1f02a5"/>
+    <ds:schemaRef ds:uri="http://schemas.openxmlformats.org/package/2006/metadata/core-properties"/>
+    <ds:schemaRef ds:uri="http://purl.org/dc/elements/1.1/"/>
+    <ds:schemaRef ds:uri="http://www.w3.org/XML/1998/namespace"/>
+    <ds:schemaRef ds:uri="http://purl.org/dc/terms/"/>
+    <ds:schemaRef ds:uri="http://schemas.microsoft.com/office/2006/documentManagement/types"/>
+    <ds:schemaRef ds:uri="http://schemas.microsoft.com/office/infopath/2007/PartnerControls"/>
+    <ds:schemaRef ds:uri="16c05727-aa75-4e4a-9b5f-8a80a1165891"/>
+    <ds:schemaRef ds:uri="http://schemas.microsoft.com/office/2006/metadata/properties"/>
+    <ds:schemaRef ds:uri="http://purl.org/dc/dcmitype/"/>
+  </ds:schemaRefs>
+</ds:datastoreItem>
 </file>
 
-<file path=customXml/itemProps1.xml><?xml version="1.0" encoding="utf-8"?>
+<file path=customXml/itemProps3.xml><?xml version="1.0" encoding="utf-8"?>
 <ds:datastoreItem xmlns:ds="http://schemas.openxmlformats.org/officeDocument/2006/customXml" ds:itemID="{8459AF2B-2F0F-4340-8358-B3F991FAB5A4}">
   <ds:schemaRefs>
     <ds:schemaRef ds:uri="http://schemas.microsoft.com/office/2006/metadata/contentType"/>
@@ -15593,29 +15649,4 @@
     <ds:schemaRef ds:uri="http://schemas.microsoft.com/internal/obd"/>
   </ds:schemaRefs>
 </ds:datastoreItem>
-</file>
-
-<file path=customXml/itemProps2.xml><?xml version="1.0" encoding="utf-8"?>
-<ds:datastoreItem xmlns:ds="http://schemas.openxmlformats.org/officeDocument/2006/customXml" ds:itemID="{C1B6A1C8-8283-4EE8-96CE-BB44EE9D7AD3}">
-  <ds:schemaRefs>
-    <ds:schemaRef ds:uri="16c05727-aa75-4e4a-9b5f-8a80a1165891"/>
-    <ds:schemaRef ds:uri="http://purl.org/dc/dcmitype/"/>
-    <ds:schemaRef ds:uri="http://schemas.microsoft.com/office/2006/documentManagement/types"/>
-    <ds:schemaRef ds:uri="http://schemas.microsoft.com/office/2006/metadata/properties"/>
-    <ds:schemaRef ds:uri="71af3243-3dd4-4a8d-8c0d-dd76da1f02a5"/>
-    <ds:schemaRef ds:uri="http://www.w3.org/XML/1998/namespace"/>
-    <ds:schemaRef ds:uri="http://schemas.microsoft.com/office/infopath/2007/PartnerControls"/>
-    <ds:schemaRef ds:uri="http://schemas.openxmlformats.org/package/2006/metadata/core-properties"/>
-    <ds:schemaRef ds:uri="http://purl.org/dc/terms/"/>
-    <ds:schemaRef ds:uri="http://purl.org/dc/elements/1.1/"/>
-  </ds:schemaRefs>
-</ds:datastoreItem>
-</file>
-
-<file path=customXml/itemProps3.xml><?xml version="1.0" encoding="utf-8"?>
-<ds:datastoreItem xmlns:ds="http://schemas.openxmlformats.org/officeDocument/2006/customXml" ds:itemID="{9FEC6E52-ACE5-4D4A-8910-845222469474}">
-  <ds:schemaRefs>
-    <ds:schemaRef ds:uri="http://schemas.microsoft.com/sharepoint/v3/contenttype/forms"/>
-  </ds:schemaRefs>
-</ds:datastoreItem>
 </file>